--- a/Introductory lecture/Risk Management.pptx
+++ b/Introductory lecture/Risk Management.pptx
@@ -5,13 +5,15 @@
     <p:sldMasterId id="2147483798" r:id="rId1"/>
   </p:sldMasterIdLst>
   <p:notesMasterIdLst>
-    <p:notesMasterId r:id="rId6"/>
+    <p:notesMasterId r:id="rId8"/>
   </p:notesMasterIdLst>
   <p:sldIdLst>
     <p:sldId id="257" r:id="rId2"/>
     <p:sldId id="286" r:id="rId3"/>
-    <p:sldId id="287" r:id="rId4"/>
-    <p:sldId id="259" r:id="rId5"/>
+    <p:sldId id="288" r:id="rId4"/>
+    <p:sldId id="287" r:id="rId5"/>
+    <p:sldId id="289" r:id="rId6"/>
+    <p:sldId id="259" r:id="rId7"/>
   </p:sldIdLst>
   <p:sldSz cx="9144000" cy="6858000" type="screen4x3"/>
   <p:notesSz cx="6858000" cy="9144000"/>
@@ -112,7 +114,7 @@
   </p:defaultTextStyle>
   <p:extLst>
     <p:ext uri="{EFAFB233-063F-42B5-8137-9DF3F51BA10A}">
-      <p15:sldGuideLst xmlns:p15="http://schemas.microsoft.com/office/powerpoint/2012/main" xmlns="">
+      <p15:sldGuideLst xmlns:p15="http://schemas.microsoft.com/office/powerpoint/2012/main">
         <p15:guide id="1" orient="horz" pos="2160">
           <p15:clr>
             <a:srgbClr val="A4A3A4"/>
@@ -212,7 +214,7 @@
             <a:fld id="{C81CBF8C-69DB-4BE7-8E23-12F58A32682F}" type="datetimeFigureOut">
               <a:rPr lang="en-IN" smtClean="0"/>
               <a:pPr/>
-              <a:t>26-10-2022</a:t>
+              <a:t>29-10-2022</a:t>
             </a:fld>
             <a:endParaRPr lang="en-IN"/>
           </a:p>
@@ -381,7 +383,7 @@
     </p:spTree>
     <p:extLst>
       <p:ext uri="{BB962C8B-B14F-4D97-AF65-F5344CB8AC3E}">
-        <p14:creationId xmlns:p14="http://schemas.microsoft.com/office/powerpoint/2010/main" xmlns="" val="4276527390"/>
+        <p14:creationId xmlns:p14="http://schemas.microsoft.com/office/powerpoint/2010/main" val="4276527390"/>
       </p:ext>
     </p:extLst>
   </p:cSld>
@@ -556,7 +558,7 @@
     </p:spTree>
     <p:extLst>
       <p:ext uri="{BB962C8B-B14F-4D97-AF65-F5344CB8AC3E}">
-        <p14:creationId xmlns:p14="http://schemas.microsoft.com/office/powerpoint/2010/main" xmlns="" val="586571412"/>
+        <p14:creationId xmlns:p14="http://schemas.microsoft.com/office/powerpoint/2010/main" val="586571412"/>
       </p:ext>
     </p:extLst>
   </p:cSld>
@@ -588,7 +590,7 @@
           <p:cNvPr id="2" name="Title 1">
             <a:extLst>
               <a:ext uri="{FF2B5EF4-FFF2-40B4-BE49-F238E27FC236}">
-                <a16:creationId xmlns:a16="http://schemas.microsoft.com/office/drawing/2014/main" xmlns="" id="{5DD2126D-CA23-6F58-02B9-67C879EB8854}"/>
+                <a16:creationId xmlns:a16="http://schemas.microsoft.com/office/drawing/2014/main" id="{5DD2126D-CA23-6F58-02B9-67C879EB8854}"/>
               </a:ext>
             </a:extLst>
           </p:cNvPr>
@@ -626,7 +628,7 @@
           <p:cNvPr id="3" name="Subtitle 2">
             <a:extLst>
               <a:ext uri="{FF2B5EF4-FFF2-40B4-BE49-F238E27FC236}">
-                <a16:creationId xmlns:a16="http://schemas.microsoft.com/office/drawing/2014/main" xmlns="" id="{4E31C0FC-AC8E-D7C8-C631-8B596DF827A2}"/>
+                <a16:creationId xmlns:a16="http://schemas.microsoft.com/office/drawing/2014/main" id="{4E31C0FC-AC8E-D7C8-C631-8B596DF827A2}"/>
               </a:ext>
             </a:extLst>
           </p:cNvPr>
@@ -697,7 +699,7 @@
           <p:cNvPr id="4" name="Date Placeholder 3">
             <a:extLst>
               <a:ext uri="{FF2B5EF4-FFF2-40B4-BE49-F238E27FC236}">
-                <a16:creationId xmlns:a16="http://schemas.microsoft.com/office/drawing/2014/main" xmlns="" id="{EB26D6F2-71D1-4159-9098-A99DCB14CED5}"/>
+                <a16:creationId xmlns:a16="http://schemas.microsoft.com/office/drawing/2014/main" id="{EB26D6F2-71D1-4159-9098-A99DCB14CED5}"/>
               </a:ext>
             </a:extLst>
           </p:cNvPr>
@@ -716,7 +718,7 @@
             <a:fld id="{7D265885-DBBE-4952-92FC-FA735BB9E704}" type="datetimeFigureOut">
               <a:rPr lang="en-IN" smtClean="0"/>
               <a:pPr/>
-              <a:t>26-10-2022</a:t>
+              <a:t>29-10-2022</a:t>
             </a:fld>
             <a:endParaRPr lang="en-IN"/>
           </a:p>
@@ -727,7 +729,7 @@
           <p:cNvPr id="5" name="Footer Placeholder 4">
             <a:extLst>
               <a:ext uri="{FF2B5EF4-FFF2-40B4-BE49-F238E27FC236}">
-                <a16:creationId xmlns:a16="http://schemas.microsoft.com/office/drawing/2014/main" xmlns="" id="{5E0F78C9-D0A2-E396-86D7-5D4F93CE745B}"/>
+                <a16:creationId xmlns:a16="http://schemas.microsoft.com/office/drawing/2014/main" id="{5E0F78C9-D0A2-E396-86D7-5D4F93CE745B}"/>
               </a:ext>
             </a:extLst>
           </p:cNvPr>
@@ -752,7 +754,7 @@
           <p:cNvPr id="6" name="Slide Number Placeholder 5">
             <a:extLst>
               <a:ext uri="{FF2B5EF4-FFF2-40B4-BE49-F238E27FC236}">
-                <a16:creationId xmlns:a16="http://schemas.microsoft.com/office/drawing/2014/main" xmlns="" id="{CCDAB65D-42FF-A115-AE6D-510ECE342FF4}"/>
+                <a16:creationId xmlns:a16="http://schemas.microsoft.com/office/drawing/2014/main" id="{CCDAB65D-42FF-A115-AE6D-510ECE342FF4}"/>
               </a:ext>
             </a:extLst>
           </p:cNvPr>
@@ -780,7 +782,7 @@
     </p:spTree>
     <p:extLst>
       <p:ext uri="{BB962C8B-B14F-4D97-AF65-F5344CB8AC3E}">
-        <p14:creationId xmlns:p14="http://schemas.microsoft.com/office/powerpoint/2010/main" xmlns="" val="3714418875"/>
+        <p14:creationId xmlns:p14="http://schemas.microsoft.com/office/powerpoint/2010/main" val="3714418875"/>
       </p:ext>
     </p:extLst>
   </p:cSld>
@@ -812,7 +814,7 @@
           <p:cNvPr id="2" name="Title 1">
             <a:extLst>
               <a:ext uri="{FF2B5EF4-FFF2-40B4-BE49-F238E27FC236}">
-                <a16:creationId xmlns:a16="http://schemas.microsoft.com/office/drawing/2014/main" xmlns="" id="{B3F51568-5521-5059-E307-0C68EABB8286}"/>
+                <a16:creationId xmlns:a16="http://schemas.microsoft.com/office/drawing/2014/main" id="{B3F51568-5521-5059-E307-0C68EABB8286}"/>
               </a:ext>
             </a:extLst>
           </p:cNvPr>
@@ -841,7 +843,7 @@
           <p:cNvPr id="3" name="Vertical Text Placeholder 2">
             <a:extLst>
               <a:ext uri="{FF2B5EF4-FFF2-40B4-BE49-F238E27FC236}">
-                <a16:creationId xmlns:a16="http://schemas.microsoft.com/office/drawing/2014/main" xmlns="" id="{63F46412-6807-B639-092E-89DD56A0D148}"/>
+                <a16:creationId xmlns:a16="http://schemas.microsoft.com/office/drawing/2014/main" id="{63F46412-6807-B639-092E-89DD56A0D148}"/>
               </a:ext>
             </a:extLst>
           </p:cNvPr>
@@ -899,7 +901,7 @@
           <p:cNvPr id="4" name="Date Placeholder 3">
             <a:extLst>
               <a:ext uri="{FF2B5EF4-FFF2-40B4-BE49-F238E27FC236}">
-                <a16:creationId xmlns:a16="http://schemas.microsoft.com/office/drawing/2014/main" xmlns="" id="{F13C1771-3285-EA8B-D697-E0992B10D2B3}"/>
+                <a16:creationId xmlns:a16="http://schemas.microsoft.com/office/drawing/2014/main" id="{F13C1771-3285-EA8B-D697-E0992B10D2B3}"/>
               </a:ext>
             </a:extLst>
           </p:cNvPr>
@@ -918,7 +920,7 @@
             <a:fld id="{7D265885-DBBE-4952-92FC-FA735BB9E704}" type="datetimeFigureOut">
               <a:rPr lang="en-IN" smtClean="0"/>
               <a:pPr/>
-              <a:t>26-10-2022</a:t>
+              <a:t>29-10-2022</a:t>
             </a:fld>
             <a:endParaRPr lang="en-IN"/>
           </a:p>
@@ -929,7 +931,7 @@
           <p:cNvPr id="5" name="Footer Placeholder 4">
             <a:extLst>
               <a:ext uri="{FF2B5EF4-FFF2-40B4-BE49-F238E27FC236}">
-                <a16:creationId xmlns:a16="http://schemas.microsoft.com/office/drawing/2014/main" xmlns="" id="{2DD7C615-2A7A-0CF3-C5CB-AAFA9B10A00B}"/>
+                <a16:creationId xmlns:a16="http://schemas.microsoft.com/office/drawing/2014/main" id="{2DD7C615-2A7A-0CF3-C5CB-AAFA9B10A00B}"/>
               </a:ext>
             </a:extLst>
           </p:cNvPr>
@@ -954,7 +956,7 @@
           <p:cNvPr id="6" name="Slide Number Placeholder 5">
             <a:extLst>
               <a:ext uri="{FF2B5EF4-FFF2-40B4-BE49-F238E27FC236}">
-                <a16:creationId xmlns:a16="http://schemas.microsoft.com/office/drawing/2014/main" xmlns="" id="{C282428C-B566-E8E4-8B94-9902AEEE568C}"/>
+                <a16:creationId xmlns:a16="http://schemas.microsoft.com/office/drawing/2014/main" id="{C282428C-B566-E8E4-8B94-9902AEEE568C}"/>
               </a:ext>
             </a:extLst>
           </p:cNvPr>
@@ -982,7 +984,7 @@
     </p:spTree>
     <p:extLst>
       <p:ext uri="{BB962C8B-B14F-4D97-AF65-F5344CB8AC3E}">
-        <p14:creationId xmlns:p14="http://schemas.microsoft.com/office/powerpoint/2010/main" xmlns="" val="2539630569"/>
+        <p14:creationId xmlns:p14="http://schemas.microsoft.com/office/powerpoint/2010/main" val="2539630569"/>
       </p:ext>
     </p:extLst>
   </p:cSld>
@@ -1014,7 +1016,7 @@
           <p:cNvPr id="2" name="Vertical Title 1">
             <a:extLst>
               <a:ext uri="{FF2B5EF4-FFF2-40B4-BE49-F238E27FC236}">
-                <a16:creationId xmlns:a16="http://schemas.microsoft.com/office/drawing/2014/main" xmlns="" id="{A35565EA-2A8C-027A-28F1-1BFC21B19EE3}"/>
+                <a16:creationId xmlns:a16="http://schemas.microsoft.com/office/drawing/2014/main" id="{A35565EA-2A8C-027A-28F1-1BFC21B19EE3}"/>
               </a:ext>
             </a:extLst>
           </p:cNvPr>
@@ -1048,7 +1050,7 @@
           <p:cNvPr id="3" name="Vertical Text Placeholder 2">
             <a:extLst>
               <a:ext uri="{FF2B5EF4-FFF2-40B4-BE49-F238E27FC236}">
-                <a16:creationId xmlns:a16="http://schemas.microsoft.com/office/drawing/2014/main" xmlns="" id="{CB6E9C74-05AD-3AB5-EFFA-482419EEC7E2}"/>
+                <a16:creationId xmlns:a16="http://schemas.microsoft.com/office/drawing/2014/main" id="{CB6E9C74-05AD-3AB5-EFFA-482419EEC7E2}"/>
               </a:ext>
             </a:extLst>
           </p:cNvPr>
@@ -1111,7 +1113,7 @@
           <p:cNvPr id="4" name="Date Placeholder 3">
             <a:extLst>
               <a:ext uri="{FF2B5EF4-FFF2-40B4-BE49-F238E27FC236}">
-                <a16:creationId xmlns:a16="http://schemas.microsoft.com/office/drawing/2014/main" xmlns="" id="{3C8D1EFB-A4D1-6BE4-EAE4-54B6842BE052}"/>
+                <a16:creationId xmlns:a16="http://schemas.microsoft.com/office/drawing/2014/main" id="{3C8D1EFB-A4D1-6BE4-EAE4-54B6842BE052}"/>
               </a:ext>
             </a:extLst>
           </p:cNvPr>
@@ -1130,7 +1132,7 @@
             <a:fld id="{7D265885-DBBE-4952-92FC-FA735BB9E704}" type="datetimeFigureOut">
               <a:rPr lang="en-IN" smtClean="0"/>
               <a:pPr/>
-              <a:t>26-10-2022</a:t>
+              <a:t>29-10-2022</a:t>
             </a:fld>
             <a:endParaRPr lang="en-IN"/>
           </a:p>
@@ -1141,7 +1143,7 @@
           <p:cNvPr id="5" name="Footer Placeholder 4">
             <a:extLst>
               <a:ext uri="{FF2B5EF4-FFF2-40B4-BE49-F238E27FC236}">
-                <a16:creationId xmlns:a16="http://schemas.microsoft.com/office/drawing/2014/main" xmlns="" id="{8178D469-2436-2C4B-9E7D-46EB27E8D4A0}"/>
+                <a16:creationId xmlns:a16="http://schemas.microsoft.com/office/drawing/2014/main" id="{8178D469-2436-2C4B-9E7D-46EB27E8D4A0}"/>
               </a:ext>
             </a:extLst>
           </p:cNvPr>
@@ -1166,7 +1168,7 @@
           <p:cNvPr id="6" name="Slide Number Placeholder 5">
             <a:extLst>
               <a:ext uri="{FF2B5EF4-FFF2-40B4-BE49-F238E27FC236}">
-                <a16:creationId xmlns:a16="http://schemas.microsoft.com/office/drawing/2014/main" xmlns="" id="{8FA3E790-D1C7-9D4D-CA77-E1B5FC7350B7}"/>
+                <a16:creationId xmlns:a16="http://schemas.microsoft.com/office/drawing/2014/main" id="{8FA3E790-D1C7-9D4D-CA77-E1B5FC7350B7}"/>
               </a:ext>
             </a:extLst>
           </p:cNvPr>
@@ -1194,7 +1196,7 @@
     </p:spTree>
     <p:extLst>
       <p:ext uri="{BB962C8B-B14F-4D97-AF65-F5344CB8AC3E}">
-        <p14:creationId xmlns:p14="http://schemas.microsoft.com/office/powerpoint/2010/main" xmlns="" val="1871138745"/>
+        <p14:creationId xmlns:p14="http://schemas.microsoft.com/office/powerpoint/2010/main" val="1871138745"/>
       </p:ext>
     </p:extLst>
   </p:cSld>
@@ -1226,7 +1228,7 @@
           <p:cNvPr id="2" name="Title 1">
             <a:extLst>
               <a:ext uri="{FF2B5EF4-FFF2-40B4-BE49-F238E27FC236}">
-                <a16:creationId xmlns:a16="http://schemas.microsoft.com/office/drawing/2014/main" xmlns="" id="{FCFD0200-E590-972A-AE08-8991518E8862}"/>
+                <a16:creationId xmlns:a16="http://schemas.microsoft.com/office/drawing/2014/main" id="{FCFD0200-E590-972A-AE08-8991518E8862}"/>
               </a:ext>
             </a:extLst>
           </p:cNvPr>
@@ -1255,7 +1257,7 @@
           <p:cNvPr id="3" name="Content Placeholder 2">
             <a:extLst>
               <a:ext uri="{FF2B5EF4-FFF2-40B4-BE49-F238E27FC236}">
-                <a16:creationId xmlns:a16="http://schemas.microsoft.com/office/drawing/2014/main" xmlns="" id="{F1D81735-AD7C-D49F-228E-2E5EC0110633}"/>
+                <a16:creationId xmlns:a16="http://schemas.microsoft.com/office/drawing/2014/main" id="{F1D81735-AD7C-D49F-228E-2E5EC0110633}"/>
               </a:ext>
             </a:extLst>
           </p:cNvPr>
@@ -1313,7 +1315,7 @@
           <p:cNvPr id="4" name="Date Placeholder 3">
             <a:extLst>
               <a:ext uri="{FF2B5EF4-FFF2-40B4-BE49-F238E27FC236}">
-                <a16:creationId xmlns:a16="http://schemas.microsoft.com/office/drawing/2014/main" xmlns="" id="{5A370E30-2B2E-433B-57E6-715ABDD047A4}"/>
+                <a16:creationId xmlns:a16="http://schemas.microsoft.com/office/drawing/2014/main" id="{5A370E30-2B2E-433B-57E6-715ABDD047A4}"/>
               </a:ext>
             </a:extLst>
           </p:cNvPr>
@@ -1332,7 +1334,7 @@
             <a:fld id="{7D265885-DBBE-4952-92FC-FA735BB9E704}" type="datetimeFigureOut">
               <a:rPr lang="en-IN" smtClean="0"/>
               <a:pPr/>
-              <a:t>26-10-2022</a:t>
+              <a:t>29-10-2022</a:t>
             </a:fld>
             <a:endParaRPr lang="en-IN"/>
           </a:p>
@@ -1343,7 +1345,7 @@
           <p:cNvPr id="5" name="Footer Placeholder 4">
             <a:extLst>
               <a:ext uri="{FF2B5EF4-FFF2-40B4-BE49-F238E27FC236}">
-                <a16:creationId xmlns:a16="http://schemas.microsoft.com/office/drawing/2014/main" xmlns="" id="{F1BC8FEC-7750-451A-7C8E-44830C79F5F8}"/>
+                <a16:creationId xmlns:a16="http://schemas.microsoft.com/office/drawing/2014/main" id="{F1BC8FEC-7750-451A-7C8E-44830C79F5F8}"/>
               </a:ext>
             </a:extLst>
           </p:cNvPr>
@@ -1368,7 +1370,7 @@
           <p:cNvPr id="6" name="Slide Number Placeholder 5">
             <a:extLst>
               <a:ext uri="{FF2B5EF4-FFF2-40B4-BE49-F238E27FC236}">
-                <a16:creationId xmlns:a16="http://schemas.microsoft.com/office/drawing/2014/main" xmlns="" id="{A924B3A1-BA3B-A5D8-9C7B-205A1946DDCC}"/>
+                <a16:creationId xmlns:a16="http://schemas.microsoft.com/office/drawing/2014/main" id="{A924B3A1-BA3B-A5D8-9C7B-205A1946DDCC}"/>
               </a:ext>
             </a:extLst>
           </p:cNvPr>
@@ -1396,7 +1398,7 @@
     </p:spTree>
     <p:extLst>
       <p:ext uri="{BB962C8B-B14F-4D97-AF65-F5344CB8AC3E}">
-        <p14:creationId xmlns:p14="http://schemas.microsoft.com/office/powerpoint/2010/main" xmlns="" val="1939927895"/>
+        <p14:creationId xmlns:p14="http://schemas.microsoft.com/office/powerpoint/2010/main" val="1939927895"/>
       </p:ext>
     </p:extLst>
   </p:cSld>
@@ -1428,7 +1430,7 @@
           <p:cNvPr id="2" name="Title 1">
             <a:extLst>
               <a:ext uri="{FF2B5EF4-FFF2-40B4-BE49-F238E27FC236}">
-                <a16:creationId xmlns:a16="http://schemas.microsoft.com/office/drawing/2014/main" xmlns="" id="{474DD7FA-615A-F4B9-950C-7568BC1797B7}"/>
+                <a16:creationId xmlns:a16="http://schemas.microsoft.com/office/drawing/2014/main" id="{474DD7FA-615A-F4B9-950C-7568BC1797B7}"/>
               </a:ext>
             </a:extLst>
           </p:cNvPr>
@@ -1466,7 +1468,7 @@
           <p:cNvPr id="3" name="Text Placeholder 2">
             <a:extLst>
               <a:ext uri="{FF2B5EF4-FFF2-40B4-BE49-F238E27FC236}">
-                <a16:creationId xmlns:a16="http://schemas.microsoft.com/office/drawing/2014/main" xmlns="" id="{3AFE13B3-ED66-852E-BACE-D8BBFF725220}"/>
+                <a16:creationId xmlns:a16="http://schemas.microsoft.com/office/drawing/2014/main" id="{3AFE13B3-ED66-852E-BACE-D8BBFF725220}"/>
               </a:ext>
             </a:extLst>
           </p:cNvPr>
@@ -1591,7 +1593,7 @@
           <p:cNvPr id="4" name="Date Placeholder 3">
             <a:extLst>
               <a:ext uri="{FF2B5EF4-FFF2-40B4-BE49-F238E27FC236}">
-                <a16:creationId xmlns:a16="http://schemas.microsoft.com/office/drawing/2014/main" xmlns="" id="{2B4F40C8-D8DF-F90B-3C08-6986A421957A}"/>
+                <a16:creationId xmlns:a16="http://schemas.microsoft.com/office/drawing/2014/main" id="{2B4F40C8-D8DF-F90B-3C08-6986A421957A}"/>
               </a:ext>
             </a:extLst>
           </p:cNvPr>
@@ -1610,7 +1612,7 @@
             <a:fld id="{7D265885-DBBE-4952-92FC-FA735BB9E704}" type="datetimeFigureOut">
               <a:rPr lang="en-IN" smtClean="0"/>
               <a:pPr/>
-              <a:t>26-10-2022</a:t>
+              <a:t>29-10-2022</a:t>
             </a:fld>
             <a:endParaRPr lang="en-IN"/>
           </a:p>
@@ -1621,7 +1623,7 @@
           <p:cNvPr id="5" name="Footer Placeholder 4">
             <a:extLst>
               <a:ext uri="{FF2B5EF4-FFF2-40B4-BE49-F238E27FC236}">
-                <a16:creationId xmlns:a16="http://schemas.microsoft.com/office/drawing/2014/main" xmlns="" id="{652F9F29-6926-1582-E045-164EF49DA90B}"/>
+                <a16:creationId xmlns:a16="http://schemas.microsoft.com/office/drawing/2014/main" id="{652F9F29-6926-1582-E045-164EF49DA90B}"/>
               </a:ext>
             </a:extLst>
           </p:cNvPr>
@@ -1646,7 +1648,7 @@
           <p:cNvPr id="6" name="Slide Number Placeholder 5">
             <a:extLst>
               <a:ext uri="{FF2B5EF4-FFF2-40B4-BE49-F238E27FC236}">
-                <a16:creationId xmlns:a16="http://schemas.microsoft.com/office/drawing/2014/main" xmlns="" id="{0C40B3F1-15F4-8B75-B62F-498424B50A14}"/>
+                <a16:creationId xmlns:a16="http://schemas.microsoft.com/office/drawing/2014/main" id="{0C40B3F1-15F4-8B75-B62F-498424B50A14}"/>
               </a:ext>
             </a:extLst>
           </p:cNvPr>
@@ -1674,7 +1676,7 @@
     </p:spTree>
     <p:extLst>
       <p:ext uri="{BB962C8B-B14F-4D97-AF65-F5344CB8AC3E}">
-        <p14:creationId xmlns:p14="http://schemas.microsoft.com/office/powerpoint/2010/main" xmlns="" val="472402021"/>
+        <p14:creationId xmlns:p14="http://schemas.microsoft.com/office/powerpoint/2010/main" val="472402021"/>
       </p:ext>
     </p:extLst>
   </p:cSld>
@@ -1706,7 +1708,7 @@
           <p:cNvPr id="2" name="Title 1">
             <a:extLst>
               <a:ext uri="{FF2B5EF4-FFF2-40B4-BE49-F238E27FC236}">
-                <a16:creationId xmlns:a16="http://schemas.microsoft.com/office/drawing/2014/main" xmlns="" id="{339F1CEB-5495-30EC-D841-E7E91D2786C6}"/>
+                <a16:creationId xmlns:a16="http://schemas.microsoft.com/office/drawing/2014/main" id="{339F1CEB-5495-30EC-D841-E7E91D2786C6}"/>
               </a:ext>
             </a:extLst>
           </p:cNvPr>
@@ -1735,7 +1737,7 @@
           <p:cNvPr id="3" name="Content Placeholder 2">
             <a:extLst>
               <a:ext uri="{FF2B5EF4-FFF2-40B4-BE49-F238E27FC236}">
-                <a16:creationId xmlns:a16="http://schemas.microsoft.com/office/drawing/2014/main" xmlns="" id="{3AD4F28D-B5CA-F4EC-30A9-3FF760CED78A}"/>
+                <a16:creationId xmlns:a16="http://schemas.microsoft.com/office/drawing/2014/main" id="{3AD4F28D-B5CA-F4EC-30A9-3FF760CED78A}"/>
               </a:ext>
             </a:extLst>
           </p:cNvPr>
@@ -1798,7 +1800,7 @@
           <p:cNvPr id="4" name="Content Placeholder 3">
             <a:extLst>
               <a:ext uri="{FF2B5EF4-FFF2-40B4-BE49-F238E27FC236}">
-                <a16:creationId xmlns:a16="http://schemas.microsoft.com/office/drawing/2014/main" xmlns="" id="{57737B83-7A1A-2FE3-95BC-B02F8047D02B}"/>
+                <a16:creationId xmlns:a16="http://schemas.microsoft.com/office/drawing/2014/main" id="{57737B83-7A1A-2FE3-95BC-B02F8047D02B}"/>
               </a:ext>
             </a:extLst>
           </p:cNvPr>
@@ -1861,7 +1863,7 @@
           <p:cNvPr id="5" name="Date Placeholder 4">
             <a:extLst>
               <a:ext uri="{FF2B5EF4-FFF2-40B4-BE49-F238E27FC236}">
-                <a16:creationId xmlns:a16="http://schemas.microsoft.com/office/drawing/2014/main" xmlns="" id="{CD6BAB4A-37F6-DEA7-6885-EF3ECC83C656}"/>
+                <a16:creationId xmlns:a16="http://schemas.microsoft.com/office/drawing/2014/main" id="{CD6BAB4A-37F6-DEA7-6885-EF3ECC83C656}"/>
               </a:ext>
             </a:extLst>
           </p:cNvPr>
@@ -1880,7 +1882,7 @@
             <a:fld id="{7D265885-DBBE-4952-92FC-FA735BB9E704}" type="datetimeFigureOut">
               <a:rPr lang="en-IN" smtClean="0"/>
               <a:pPr/>
-              <a:t>26-10-2022</a:t>
+              <a:t>29-10-2022</a:t>
             </a:fld>
             <a:endParaRPr lang="en-IN"/>
           </a:p>
@@ -1891,7 +1893,7 @@
           <p:cNvPr id="6" name="Footer Placeholder 5">
             <a:extLst>
               <a:ext uri="{FF2B5EF4-FFF2-40B4-BE49-F238E27FC236}">
-                <a16:creationId xmlns:a16="http://schemas.microsoft.com/office/drawing/2014/main" xmlns="" id="{65CE3BF7-0DC4-5A48-F9A6-2F4AC8B703FD}"/>
+                <a16:creationId xmlns:a16="http://schemas.microsoft.com/office/drawing/2014/main" id="{65CE3BF7-0DC4-5A48-F9A6-2F4AC8B703FD}"/>
               </a:ext>
             </a:extLst>
           </p:cNvPr>
@@ -1916,7 +1918,7 @@
           <p:cNvPr id="7" name="Slide Number Placeholder 6">
             <a:extLst>
               <a:ext uri="{FF2B5EF4-FFF2-40B4-BE49-F238E27FC236}">
-                <a16:creationId xmlns:a16="http://schemas.microsoft.com/office/drawing/2014/main" xmlns="" id="{2E568719-F689-08CA-64F4-9B4130BA4A23}"/>
+                <a16:creationId xmlns:a16="http://schemas.microsoft.com/office/drawing/2014/main" id="{2E568719-F689-08CA-64F4-9B4130BA4A23}"/>
               </a:ext>
             </a:extLst>
           </p:cNvPr>
@@ -1944,7 +1946,7 @@
     </p:spTree>
     <p:extLst>
       <p:ext uri="{BB962C8B-B14F-4D97-AF65-F5344CB8AC3E}">
-        <p14:creationId xmlns:p14="http://schemas.microsoft.com/office/powerpoint/2010/main" xmlns="" val="292412517"/>
+        <p14:creationId xmlns:p14="http://schemas.microsoft.com/office/powerpoint/2010/main" val="292412517"/>
       </p:ext>
     </p:extLst>
   </p:cSld>
@@ -1976,7 +1978,7 @@
           <p:cNvPr id="2" name="Title 1">
             <a:extLst>
               <a:ext uri="{FF2B5EF4-FFF2-40B4-BE49-F238E27FC236}">
-                <a16:creationId xmlns:a16="http://schemas.microsoft.com/office/drawing/2014/main" xmlns="" id="{90F0BFE2-E9CA-DC2B-57F1-4A3DE9C7191A}"/>
+                <a16:creationId xmlns:a16="http://schemas.microsoft.com/office/drawing/2014/main" id="{90F0BFE2-E9CA-DC2B-57F1-4A3DE9C7191A}"/>
               </a:ext>
             </a:extLst>
           </p:cNvPr>
@@ -2010,7 +2012,7 @@
           <p:cNvPr id="3" name="Text Placeholder 2">
             <a:extLst>
               <a:ext uri="{FF2B5EF4-FFF2-40B4-BE49-F238E27FC236}">
-                <a16:creationId xmlns:a16="http://schemas.microsoft.com/office/drawing/2014/main" xmlns="" id="{6D77EE4D-30E2-BF74-14E5-208082927254}"/>
+                <a16:creationId xmlns:a16="http://schemas.microsoft.com/office/drawing/2014/main" id="{6D77EE4D-30E2-BF74-14E5-208082927254}"/>
               </a:ext>
             </a:extLst>
           </p:cNvPr>
@@ -2081,7 +2083,7 @@
           <p:cNvPr id="4" name="Content Placeholder 3">
             <a:extLst>
               <a:ext uri="{FF2B5EF4-FFF2-40B4-BE49-F238E27FC236}">
-                <a16:creationId xmlns:a16="http://schemas.microsoft.com/office/drawing/2014/main" xmlns="" id="{587EBC84-615A-97BB-3F75-63C4FF1BF174}"/>
+                <a16:creationId xmlns:a16="http://schemas.microsoft.com/office/drawing/2014/main" id="{587EBC84-615A-97BB-3F75-63C4FF1BF174}"/>
               </a:ext>
             </a:extLst>
           </p:cNvPr>
@@ -2144,7 +2146,7 @@
           <p:cNvPr id="5" name="Text Placeholder 4">
             <a:extLst>
               <a:ext uri="{FF2B5EF4-FFF2-40B4-BE49-F238E27FC236}">
-                <a16:creationId xmlns:a16="http://schemas.microsoft.com/office/drawing/2014/main" xmlns="" id="{8E5A8D3E-2E55-582D-263F-0145B31D8545}"/>
+                <a16:creationId xmlns:a16="http://schemas.microsoft.com/office/drawing/2014/main" id="{8E5A8D3E-2E55-582D-263F-0145B31D8545}"/>
               </a:ext>
             </a:extLst>
           </p:cNvPr>
@@ -2215,7 +2217,7 @@
           <p:cNvPr id="6" name="Content Placeholder 5">
             <a:extLst>
               <a:ext uri="{FF2B5EF4-FFF2-40B4-BE49-F238E27FC236}">
-                <a16:creationId xmlns:a16="http://schemas.microsoft.com/office/drawing/2014/main" xmlns="" id="{44F8719A-2B4E-DDAA-8710-2DAD024B2527}"/>
+                <a16:creationId xmlns:a16="http://schemas.microsoft.com/office/drawing/2014/main" id="{44F8719A-2B4E-DDAA-8710-2DAD024B2527}"/>
               </a:ext>
             </a:extLst>
           </p:cNvPr>
@@ -2278,7 +2280,7 @@
           <p:cNvPr id="7" name="Date Placeholder 6">
             <a:extLst>
               <a:ext uri="{FF2B5EF4-FFF2-40B4-BE49-F238E27FC236}">
-                <a16:creationId xmlns:a16="http://schemas.microsoft.com/office/drawing/2014/main" xmlns="" id="{8633A6A7-2951-2F69-2838-A82A41D3E5B2}"/>
+                <a16:creationId xmlns:a16="http://schemas.microsoft.com/office/drawing/2014/main" id="{8633A6A7-2951-2F69-2838-A82A41D3E5B2}"/>
               </a:ext>
             </a:extLst>
           </p:cNvPr>
@@ -2297,7 +2299,7 @@
             <a:fld id="{7D265885-DBBE-4952-92FC-FA735BB9E704}" type="datetimeFigureOut">
               <a:rPr lang="en-IN" smtClean="0"/>
               <a:pPr/>
-              <a:t>26-10-2022</a:t>
+              <a:t>29-10-2022</a:t>
             </a:fld>
             <a:endParaRPr lang="en-IN"/>
           </a:p>
@@ -2308,7 +2310,7 @@
           <p:cNvPr id="8" name="Footer Placeholder 7">
             <a:extLst>
               <a:ext uri="{FF2B5EF4-FFF2-40B4-BE49-F238E27FC236}">
-                <a16:creationId xmlns:a16="http://schemas.microsoft.com/office/drawing/2014/main" xmlns="" id="{82845914-0579-F62A-0E60-F28E95B4A1EB}"/>
+                <a16:creationId xmlns:a16="http://schemas.microsoft.com/office/drawing/2014/main" id="{82845914-0579-F62A-0E60-F28E95B4A1EB}"/>
               </a:ext>
             </a:extLst>
           </p:cNvPr>
@@ -2333,7 +2335,7 @@
           <p:cNvPr id="9" name="Slide Number Placeholder 8">
             <a:extLst>
               <a:ext uri="{FF2B5EF4-FFF2-40B4-BE49-F238E27FC236}">
-                <a16:creationId xmlns:a16="http://schemas.microsoft.com/office/drawing/2014/main" xmlns="" id="{1E9137EC-5BB5-BBDF-E257-301C68A3F09D}"/>
+                <a16:creationId xmlns:a16="http://schemas.microsoft.com/office/drawing/2014/main" id="{1E9137EC-5BB5-BBDF-E257-301C68A3F09D}"/>
               </a:ext>
             </a:extLst>
           </p:cNvPr>
@@ -2361,7 +2363,7 @@
     </p:spTree>
     <p:extLst>
       <p:ext uri="{BB962C8B-B14F-4D97-AF65-F5344CB8AC3E}">
-        <p14:creationId xmlns:p14="http://schemas.microsoft.com/office/powerpoint/2010/main" xmlns="" val="1631315875"/>
+        <p14:creationId xmlns:p14="http://schemas.microsoft.com/office/powerpoint/2010/main" val="1631315875"/>
       </p:ext>
     </p:extLst>
   </p:cSld>
@@ -2393,7 +2395,7 @@
           <p:cNvPr id="2" name="Title 1">
             <a:extLst>
               <a:ext uri="{FF2B5EF4-FFF2-40B4-BE49-F238E27FC236}">
-                <a16:creationId xmlns:a16="http://schemas.microsoft.com/office/drawing/2014/main" xmlns="" id="{D7B7A3AA-2DCB-A2AC-D271-E3B430E21DE5}"/>
+                <a16:creationId xmlns:a16="http://schemas.microsoft.com/office/drawing/2014/main" id="{D7B7A3AA-2DCB-A2AC-D271-E3B430E21DE5}"/>
               </a:ext>
             </a:extLst>
           </p:cNvPr>
@@ -2422,7 +2424,7 @@
           <p:cNvPr id="3" name="Date Placeholder 2">
             <a:extLst>
               <a:ext uri="{FF2B5EF4-FFF2-40B4-BE49-F238E27FC236}">
-                <a16:creationId xmlns:a16="http://schemas.microsoft.com/office/drawing/2014/main" xmlns="" id="{F7DCBEDE-C61B-A048-531A-3BDFAAA6FB6D}"/>
+                <a16:creationId xmlns:a16="http://schemas.microsoft.com/office/drawing/2014/main" id="{F7DCBEDE-C61B-A048-531A-3BDFAAA6FB6D}"/>
               </a:ext>
             </a:extLst>
           </p:cNvPr>
@@ -2441,7 +2443,7 @@
             <a:fld id="{7D265885-DBBE-4952-92FC-FA735BB9E704}" type="datetimeFigureOut">
               <a:rPr lang="en-IN" smtClean="0"/>
               <a:pPr/>
-              <a:t>26-10-2022</a:t>
+              <a:t>29-10-2022</a:t>
             </a:fld>
             <a:endParaRPr lang="en-IN"/>
           </a:p>
@@ -2452,7 +2454,7 @@
           <p:cNvPr id="4" name="Footer Placeholder 3">
             <a:extLst>
               <a:ext uri="{FF2B5EF4-FFF2-40B4-BE49-F238E27FC236}">
-                <a16:creationId xmlns:a16="http://schemas.microsoft.com/office/drawing/2014/main" xmlns="" id="{57EB5CEB-3AD5-94C0-348D-891DE605A56B}"/>
+                <a16:creationId xmlns:a16="http://schemas.microsoft.com/office/drawing/2014/main" id="{57EB5CEB-3AD5-94C0-348D-891DE605A56B}"/>
               </a:ext>
             </a:extLst>
           </p:cNvPr>
@@ -2477,7 +2479,7 @@
           <p:cNvPr id="5" name="Slide Number Placeholder 4">
             <a:extLst>
               <a:ext uri="{FF2B5EF4-FFF2-40B4-BE49-F238E27FC236}">
-                <a16:creationId xmlns:a16="http://schemas.microsoft.com/office/drawing/2014/main" xmlns="" id="{7226F3F6-1322-8417-A453-3D9708A92E2F}"/>
+                <a16:creationId xmlns:a16="http://schemas.microsoft.com/office/drawing/2014/main" id="{7226F3F6-1322-8417-A453-3D9708A92E2F}"/>
               </a:ext>
             </a:extLst>
           </p:cNvPr>
@@ -2505,7 +2507,7 @@
     </p:spTree>
     <p:extLst>
       <p:ext uri="{BB962C8B-B14F-4D97-AF65-F5344CB8AC3E}">
-        <p14:creationId xmlns:p14="http://schemas.microsoft.com/office/powerpoint/2010/main" xmlns="" val="1723479412"/>
+        <p14:creationId xmlns:p14="http://schemas.microsoft.com/office/powerpoint/2010/main" val="1723479412"/>
       </p:ext>
     </p:extLst>
   </p:cSld>
@@ -2537,7 +2539,7 @@
           <p:cNvPr id="2" name="Date Placeholder 1">
             <a:extLst>
               <a:ext uri="{FF2B5EF4-FFF2-40B4-BE49-F238E27FC236}">
-                <a16:creationId xmlns:a16="http://schemas.microsoft.com/office/drawing/2014/main" xmlns="" id="{9FB55AEC-8869-54A2-A918-005EE38627BD}"/>
+                <a16:creationId xmlns:a16="http://schemas.microsoft.com/office/drawing/2014/main" id="{9FB55AEC-8869-54A2-A918-005EE38627BD}"/>
               </a:ext>
             </a:extLst>
           </p:cNvPr>
@@ -2556,7 +2558,7 @@
             <a:fld id="{7D265885-DBBE-4952-92FC-FA735BB9E704}" type="datetimeFigureOut">
               <a:rPr lang="en-IN" smtClean="0"/>
               <a:pPr/>
-              <a:t>26-10-2022</a:t>
+              <a:t>29-10-2022</a:t>
             </a:fld>
             <a:endParaRPr lang="en-IN"/>
           </a:p>
@@ -2567,7 +2569,7 @@
           <p:cNvPr id="3" name="Footer Placeholder 2">
             <a:extLst>
               <a:ext uri="{FF2B5EF4-FFF2-40B4-BE49-F238E27FC236}">
-                <a16:creationId xmlns:a16="http://schemas.microsoft.com/office/drawing/2014/main" xmlns="" id="{2F1C656A-5B43-61CD-F53D-4A6213890D3B}"/>
+                <a16:creationId xmlns:a16="http://schemas.microsoft.com/office/drawing/2014/main" id="{2F1C656A-5B43-61CD-F53D-4A6213890D3B}"/>
               </a:ext>
             </a:extLst>
           </p:cNvPr>
@@ -2592,7 +2594,7 @@
           <p:cNvPr id="4" name="Slide Number Placeholder 3">
             <a:extLst>
               <a:ext uri="{FF2B5EF4-FFF2-40B4-BE49-F238E27FC236}">
-                <a16:creationId xmlns:a16="http://schemas.microsoft.com/office/drawing/2014/main" xmlns="" id="{898F7BF4-6274-5727-26E8-E96041D983BB}"/>
+                <a16:creationId xmlns:a16="http://schemas.microsoft.com/office/drawing/2014/main" id="{898F7BF4-6274-5727-26E8-E96041D983BB}"/>
               </a:ext>
             </a:extLst>
           </p:cNvPr>
@@ -2620,7 +2622,7 @@
     </p:spTree>
     <p:extLst>
       <p:ext uri="{BB962C8B-B14F-4D97-AF65-F5344CB8AC3E}">
-        <p14:creationId xmlns:p14="http://schemas.microsoft.com/office/powerpoint/2010/main" xmlns="" val="2453492435"/>
+        <p14:creationId xmlns:p14="http://schemas.microsoft.com/office/powerpoint/2010/main" val="2453492435"/>
       </p:ext>
     </p:extLst>
   </p:cSld>
@@ -2652,7 +2654,7 @@
           <p:cNvPr id="2" name="Title 1">
             <a:extLst>
               <a:ext uri="{FF2B5EF4-FFF2-40B4-BE49-F238E27FC236}">
-                <a16:creationId xmlns:a16="http://schemas.microsoft.com/office/drawing/2014/main" xmlns="" id="{5D9CEE6C-C1C9-D433-835E-7AE0C78B9971}"/>
+                <a16:creationId xmlns:a16="http://schemas.microsoft.com/office/drawing/2014/main" id="{5D9CEE6C-C1C9-D433-835E-7AE0C78B9971}"/>
               </a:ext>
             </a:extLst>
           </p:cNvPr>
@@ -2690,7 +2692,7 @@
           <p:cNvPr id="3" name="Content Placeholder 2">
             <a:extLst>
               <a:ext uri="{FF2B5EF4-FFF2-40B4-BE49-F238E27FC236}">
-                <a16:creationId xmlns:a16="http://schemas.microsoft.com/office/drawing/2014/main" xmlns="" id="{D6477CB4-9796-24B2-D9F0-FEFD7FCED166}"/>
+                <a16:creationId xmlns:a16="http://schemas.microsoft.com/office/drawing/2014/main" id="{D6477CB4-9796-24B2-D9F0-FEFD7FCED166}"/>
               </a:ext>
             </a:extLst>
           </p:cNvPr>
@@ -2781,7 +2783,7 @@
           <p:cNvPr id="4" name="Text Placeholder 3">
             <a:extLst>
               <a:ext uri="{FF2B5EF4-FFF2-40B4-BE49-F238E27FC236}">
-                <a16:creationId xmlns:a16="http://schemas.microsoft.com/office/drawing/2014/main" xmlns="" id="{F1BF0108-EDAF-C5C5-9706-2252D23D483F}"/>
+                <a16:creationId xmlns:a16="http://schemas.microsoft.com/office/drawing/2014/main" id="{F1BF0108-EDAF-C5C5-9706-2252D23D483F}"/>
               </a:ext>
             </a:extLst>
           </p:cNvPr>
@@ -2852,7 +2854,7 @@
           <p:cNvPr id="5" name="Date Placeholder 4">
             <a:extLst>
               <a:ext uri="{FF2B5EF4-FFF2-40B4-BE49-F238E27FC236}">
-                <a16:creationId xmlns:a16="http://schemas.microsoft.com/office/drawing/2014/main" xmlns="" id="{D9038628-E017-80BD-27C9-B957CEF33D1F}"/>
+                <a16:creationId xmlns:a16="http://schemas.microsoft.com/office/drawing/2014/main" id="{D9038628-E017-80BD-27C9-B957CEF33D1F}"/>
               </a:ext>
             </a:extLst>
           </p:cNvPr>
@@ -2871,7 +2873,7 @@
             <a:fld id="{7D265885-DBBE-4952-92FC-FA735BB9E704}" type="datetimeFigureOut">
               <a:rPr lang="en-IN" smtClean="0"/>
               <a:pPr/>
-              <a:t>26-10-2022</a:t>
+              <a:t>29-10-2022</a:t>
             </a:fld>
             <a:endParaRPr lang="en-IN"/>
           </a:p>
@@ -2882,7 +2884,7 @@
           <p:cNvPr id="6" name="Footer Placeholder 5">
             <a:extLst>
               <a:ext uri="{FF2B5EF4-FFF2-40B4-BE49-F238E27FC236}">
-                <a16:creationId xmlns:a16="http://schemas.microsoft.com/office/drawing/2014/main" xmlns="" id="{F8387076-C8E0-45EE-58FF-4791BC9DCBE8}"/>
+                <a16:creationId xmlns:a16="http://schemas.microsoft.com/office/drawing/2014/main" id="{F8387076-C8E0-45EE-58FF-4791BC9DCBE8}"/>
               </a:ext>
             </a:extLst>
           </p:cNvPr>
@@ -2907,7 +2909,7 @@
           <p:cNvPr id="7" name="Slide Number Placeholder 6">
             <a:extLst>
               <a:ext uri="{FF2B5EF4-FFF2-40B4-BE49-F238E27FC236}">
-                <a16:creationId xmlns:a16="http://schemas.microsoft.com/office/drawing/2014/main" xmlns="" id="{978CB46B-1B46-1E88-CC23-D5BC8BDA73FF}"/>
+                <a16:creationId xmlns:a16="http://schemas.microsoft.com/office/drawing/2014/main" id="{978CB46B-1B46-1E88-CC23-D5BC8BDA73FF}"/>
               </a:ext>
             </a:extLst>
           </p:cNvPr>
@@ -2935,7 +2937,7 @@
     </p:spTree>
     <p:extLst>
       <p:ext uri="{BB962C8B-B14F-4D97-AF65-F5344CB8AC3E}">
-        <p14:creationId xmlns:p14="http://schemas.microsoft.com/office/powerpoint/2010/main" xmlns="" val="4181189447"/>
+        <p14:creationId xmlns:p14="http://schemas.microsoft.com/office/powerpoint/2010/main" val="4181189447"/>
       </p:ext>
     </p:extLst>
   </p:cSld>
@@ -2967,7 +2969,7 @@
           <p:cNvPr id="2" name="Title 1">
             <a:extLst>
               <a:ext uri="{FF2B5EF4-FFF2-40B4-BE49-F238E27FC236}">
-                <a16:creationId xmlns:a16="http://schemas.microsoft.com/office/drawing/2014/main" xmlns="" id="{CDB02663-02F6-3A0D-9829-AC016FB90A2D}"/>
+                <a16:creationId xmlns:a16="http://schemas.microsoft.com/office/drawing/2014/main" id="{CDB02663-02F6-3A0D-9829-AC016FB90A2D}"/>
               </a:ext>
             </a:extLst>
           </p:cNvPr>
@@ -3005,7 +3007,7 @@
           <p:cNvPr id="3" name="Picture Placeholder 2">
             <a:extLst>
               <a:ext uri="{FF2B5EF4-FFF2-40B4-BE49-F238E27FC236}">
-                <a16:creationId xmlns:a16="http://schemas.microsoft.com/office/drawing/2014/main" xmlns="" id="{E6BF4D1A-0B56-34C4-8431-BCA2F561F317}"/>
+                <a16:creationId xmlns:a16="http://schemas.microsoft.com/office/drawing/2014/main" id="{E6BF4D1A-0B56-34C4-8431-BCA2F561F317}"/>
               </a:ext>
             </a:extLst>
           </p:cNvPr>
@@ -3072,7 +3074,7 @@
           <p:cNvPr id="4" name="Text Placeholder 3">
             <a:extLst>
               <a:ext uri="{FF2B5EF4-FFF2-40B4-BE49-F238E27FC236}">
-                <a16:creationId xmlns:a16="http://schemas.microsoft.com/office/drawing/2014/main" xmlns="" id="{03E137C0-8249-269C-08E5-02E955753D7A}"/>
+                <a16:creationId xmlns:a16="http://schemas.microsoft.com/office/drawing/2014/main" id="{03E137C0-8249-269C-08E5-02E955753D7A}"/>
               </a:ext>
             </a:extLst>
           </p:cNvPr>
@@ -3143,7 +3145,7 @@
           <p:cNvPr id="5" name="Date Placeholder 4">
             <a:extLst>
               <a:ext uri="{FF2B5EF4-FFF2-40B4-BE49-F238E27FC236}">
-                <a16:creationId xmlns:a16="http://schemas.microsoft.com/office/drawing/2014/main" xmlns="" id="{C0EDC815-A1AF-B873-DB5F-27BE43CB9CC9}"/>
+                <a16:creationId xmlns:a16="http://schemas.microsoft.com/office/drawing/2014/main" id="{C0EDC815-A1AF-B873-DB5F-27BE43CB9CC9}"/>
               </a:ext>
             </a:extLst>
           </p:cNvPr>
@@ -3162,7 +3164,7 @@
             <a:fld id="{7D265885-DBBE-4952-92FC-FA735BB9E704}" type="datetimeFigureOut">
               <a:rPr lang="en-IN" smtClean="0"/>
               <a:pPr/>
-              <a:t>26-10-2022</a:t>
+              <a:t>29-10-2022</a:t>
             </a:fld>
             <a:endParaRPr lang="en-IN"/>
           </a:p>
@@ -3173,7 +3175,7 @@
           <p:cNvPr id="6" name="Footer Placeholder 5">
             <a:extLst>
               <a:ext uri="{FF2B5EF4-FFF2-40B4-BE49-F238E27FC236}">
-                <a16:creationId xmlns:a16="http://schemas.microsoft.com/office/drawing/2014/main" xmlns="" id="{77F604FE-1B10-9927-1027-F18B4A414458}"/>
+                <a16:creationId xmlns:a16="http://schemas.microsoft.com/office/drawing/2014/main" id="{77F604FE-1B10-9927-1027-F18B4A414458}"/>
               </a:ext>
             </a:extLst>
           </p:cNvPr>
@@ -3198,7 +3200,7 @@
           <p:cNvPr id="7" name="Slide Number Placeholder 6">
             <a:extLst>
               <a:ext uri="{FF2B5EF4-FFF2-40B4-BE49-F238E27FC236}">
-                <a16:creationId xmlns:a16="http://schemas.microsoft.com/office/drawing/2014/main" xmlns="" id="{D70E0FCB-0F58-8666-B4A4-0C61CA8BC416}"/>
+                <a16:creationId xmlns:a16="http://schemas.microsoft.com/office/drawing/2014/main" id="{D70E0FCB-0F58-8666-B4A4-0C61CA8BC416}"/>
               </a:ext>
             </a:extLst>
           </p:cNvPr>
@@ -3226,7 +3228,7 @@
     </p:spTree>
     <p:extLst>
       <p:ext uri="{BB962C8B-B14F-4D97-AF65-F5344CB8AC3E}">
-        <p14:creationId xmlns:p14="http://schemas.microsoft.com/office/powerpoint/2010/main" xmlns="" val="1500425649"/>
+        <p14:creationId xmlns:p14="http://schemas.microsoft.com/office/powerpoint/2010/main" val="1500425649"/>
       </p:ext>
     </p:extLst>
   </p:cSld>
@@ -3263,7 +3265,7 @@
           <p:cNvPr id="2" name="Title Placeholder 1">
             <a:extLst>
               <a:ext uri="{FF2B5EF4-FFF2-40B4-BE49-F238E27FC236}">
-                <a16:creationId xmlns:a16="http://schemas.microsoft.com/office/drawing/2014/main" xmlns="" id="{26A356EA-1C8A-1127-3B33-64B5F80894FB}"/>
+                <a16:creationId xmlns:a16="http://schemas.microsoft.com/office/drawing/2014/main" id="{26A356EA-1C8A-1127-3B33-64B5F80894FB}"/>
               </a:ext>
             </a:extLst>
           </p:cNvPr>
@@ -3302,7 +3304,7 @@
           <p:cNvPr id="3" name="Text Placeholder 2">
             <a:extLst>
               <a:ext uri="{FF2B5EF4-FFF2-40B4-BE49-F238E27FC236}">
-                <a16:creationId xmlns:a16="http://schemas.microsoft.com/office/drawing/2014/main" xmlns="" id="{9540629D-7BB3-017F-6398-83F1CA543D65}"/>
+                <a16:creationId xmlns:a16="http://schemas.microsoft.com/office/drawing/2014/main" id="{9540629D-7BB3-017F-6398-83F1CA543D65}"/>
               </a:ext>
             </a:extLst>
           </p:cNvPr>
@@ -3370,7 +3372,7 @@
           <p:cNvPr id="4" name="Date Placeholder 3">
             <a:extLst>
               <a:ext uri="{FF2B5EF4-FFF2-40B4-BE49-F238E27FC236}">
-                <a16:creationId xmlns:a16="http://schemas.microsoft.com/office/drawing/2014/main" xmlns="" id="{F181D787-A399-A1C4-B769-FB551B089AD3}"/>
+                <a16:creationId xmlns:a16="http://schemas.microsoft.com/office/drawing/2014/main" id="{F181D787-A399-A1C4-B769-FB551B089AD3}"/>
               </a:ext>
             </a:extLst>
           </p:cNvPr>
@@ -3407,7 +3409,7 @@
             <a:fld id="{7D265885-DBBE-4952-92FC-FA735BB9E704}" type="datetimeFigureOut">
               <a:rPr lang="en-IN" smtClean="0"/>
               <a:pPr/>
-              <a:t>26-10-2022</a:t>
+              <a:t>29-10-2022</a:t>
             </a:fld>
             <a:endParaRPr lang="en-IN"/>
           </a:p>
@@ -3418,7 +3420,7 @@
           <p:cNvPr id="5" name="Footer Placeholder 4">
             <a:extLst>
               <a:ext uri="{FF2B5EF4-FFF2-40B4-BE49-F238E27FC236}">
-                <a16:creationId xmlns:a16="http://schemas.microsoft.com/office/drawing/2014/main" xmlns="" id="{6AC1B5C8-5FC6-82CE-0584-31DFB6D37133}"/>
+                <a16:creationId xmlns:a16="http://schemas.microsoft.com/office/drawing/2014/main" id="{6AC1B5C8-5FC6-82CE-0584-31DFB6D37133}"/>
               </a:ext>
             </a:extLst>
           </p:cNvPr>
@@ -3461,7 +3463,7 @@
           <p:cNvPr id="6" name="Slide Number Placeholder 5">
             <a:extLst>
               <a:ext uri="{FF2B5EF4-FFF2-40B4-BE49-F238E27FC236}">
-                <a16:creationId xmlns:a16="http://schemas.microsoft.com/office/drawing/2014/main" xmlns="" id="{FC30154C-6DBF-F6EB-30B2-9153249AD839}"/>
+                <a16:creationId xmlns:a16="http://schemas.microsoft.com/office/drawing/2014/main" id="{FC30154C-6DBF-F6EB-30B2-9153249AD839}"/>
               </a:ext>
             </a:extLst>
           </p:cNvPr>
@@ -3507,7 +3509,7 @@
     </p:spTree>
     <p:extLst>
       <p:ext uri="{BB962C8B-B14F-4D97-AF65-F5344CB8AC3E}">
-        <p14:creationId xmlns:p14="http://schemas.microsoft.com/office/powerpoint/2010/main" xmlns="" val="766404787"/>
+        <p14:creationId xmlns:p14="http://schemas.microsoft.com/office/powerpoint/2010/main" val="766404787"/>
       </p:ext>
     </p:extLst>
   </p:cSld>
@@ -3838,7 +3840,7 @@
           <p:cNvPr id="28" name="Picture 19" descr="Colourful charts and graphs">
             <a:extLst>
               <a:ext uri="{FF2B5EF4-FFF2-40B4-BE49-F238E27FC236}">
-                <a16:creationId xmlns:a16="http://schemas.microsoft.com/office/drawing/2014/main" xmlns="" id="{299A07DE-8725-3B4D-BDBA-5739D8F943BA}"/>
+                <a16:creationId xmlns:a16="http://schemas.microsoft.com/office/drawing/2014/main" id="{299A07DE-8725-3B4D-BDBA-5739D8F943BA}"/>
               </a:ext>
             </a:extLst>
           </p:cNvPr>
@@ -3979,7 +3981,7 @@
           <p:cNvPr id="8" name="TextBox 7">
             <a:extLst>
               <a:ext uri="{FF2B5EF4-FFF2-40B4-BE49-F238E27FC236}">
-                <a16:creationId xmlns:a16="http://schemas.microsoft.com/office/drawing/2014/main" xmlns="" id="{FBB6795C-FB99-CF17-54EF-44026FF8150F}"/>
+                <a16:creationId xmlns:a16="http://schemas.microsoft.com/office/drawing/2014/main" id="{FBB6795C-FB99-CF17-54EF-44026FF8150F}"/>
               </a:ext>
             </a:extLst>
           </p:cNvPr>
@@ -4019,7 +4021,7 @@
           <p:cNvPr id="22" name="TextBox 21" hidden="1">
             <a:extLst>
               <a:ext uri="{FF2B5EF4-FFF2-40B4-BE49-F238E27FC236}">
-                <a16:creationId xmlns:a16="http://schemas.microsoft.com/office/drawing/2014/main" xmlns="" id="{E593D707-90B7-8EB8-A16F-7FA467826B21}"/>
+                <a16:creationId xmlns:a16="http://schemas.microsoft.com/office/drawing/2014/main" id="{E593D707-90B7-8EB8-A16F-7FA467826B21}"/>
               </a:ext>
             </a:extLst>
           </p:cNvPr>
@@ -4087,7 +4089,7 @@
           <p:cNvPr id="2" name="TextBox 1">
             <a:extLst>
               <a:ext uri="{FF2B5EF4-FFF2-40B4-BE49-F238E27FC236}">
-                <a16:creationId xmlns:a16="http://schemas.microsoft.com/office/drawing/2014/main" xmlns="" id="{08B4B685-7AE9-44DF-22FD-C15358776F31}"/>
+                <a16:creationId xmlns:a16="http://schemas.microsoft.com/office/drawing/2014/main" id="{08B4B685-7AE9-44DF-22FD-C15358776F31}"/>
               </a:ext>
             </a:extLst>
           </p:cNvPr>
@@ -4112,7 +4114,7 @@
           <a:p>
             <a:pPr algn="ctr"/>
             <a:r>
-              <a:rPr lang="en-US" sz="2400" dirty="0" smtClean="0">
+              <a:rPr lang="en-US" sz="2400" dirty="0">
                 <a:solidFill>
                   <a:srgbClr val="002060"/>
                 </a:solidFill>
@@ -4121,13 +4123,6 @@
               </a:rPr>
               <a:t>Risk Management</a:t>
             </a:r>
-            <a:endParaRPr lang="en-US" sz="2400" dirty="0" smtClean="0">
-              <a:solidFill>
-                <a:srgbClr val="002060"/>
-              </a:solidFill>
-              <a:latin typeface="Cascadia Code SemiBold" pitchFamily="50" charset="0"/>
-              <a:cs typeface="Cascadia Code SemiBold" pitchFamily="50" charset="0"/>
-            </a:endParaRPr>
           </a:p>
           <a:p>
             <a:pPr algn="ctr"/>
@@ -4144,7 +4139,7 @@
     </p:spTree>
     <p:extLst>
       <p:ext uri="{BB962C8B-B14F-4D97-AF65-F5344CB8AC3E}">
-        <p14:creationId xmlns:p14="http://schemas.microsoft.com/office/powerpoint/2010/main" xmlns="" val="3266916071"/>
+        <p14:creationId xmlns:p14="http://schemas.microsoft.com/office/powerpoint/2010/main" val="3266916071"/>
       </p:ext>
     </p:extLst>
   </p:cSld>
@@ -4159,9 +4154,15 @@
   <p:cSld>
     <p:bg>
       <p:bgPr>
-        <a:solidFill>
-          <a:srgbClr val="4A206A"/>
-        </a:solidFill>
+        <a:blipFill dpi="0" rotWithShape="1">
+          <a:blip r:embed="rId2">
+            <a:lum/>
+          </a:blip>
+          <a:srcRect/>
+          <a:stretch>
+            <a:fillRect l="-30000"/>
+          </a:stretch>
+        </a:blipFill>
         <a:effectLst/>
       </p:bgPr>
     </p:bg>
@@ -4181,10 +4182,10 @@
       </p:grpSpPr>
       <p:sp>
         <p:nvSpPr>
-          <p:cNvPr id="3" name="TextBox 2">
-            <a:extLst>
-              <a:ext uri="{FF2B5EF4-FFF2-40B4-BE49-F238E27FC236}">
-                <a16:creationId xmlns:a16="http://schemas.microsoft.com/office/drawing/2014/main" xmlns="" id="{3FCF3979-E4B3-0634-4C0B-AB862892E9BF}"/>
+          <p:cNvPr id="2" name="TextBox 1">
+            <a:extLst>
+              <a:ext uri="{FF2B5EF4-FFF2-40B4-BE49-F238E27FC236}">
+                <a16:creationId xmlns:a16="http://schemas.microsoft.com/office/drawing/2014/main" id="{6EF538B9-80E5-3FC4-A827-E89A739910D3}"/>
               </a:ext>
             </a:extLst>
           </p:cNvPr>
@@ -4193,8 +4194,8 @@
         </p:nvSpPr>
         <p:spPr>
           <a:xfrm>
-            <a:off x="596282" y="452140"/>
-            <a:ext cx="6661045" cy="707886"/>
+            <a:off x="540773" y="521110"/>
+            <a:ext cx="5732208" cy="3170099"/>
           </a:xfrm>
           <a:prstGeom prst="rect">
             <a:avLst/>
@@ -4208,362 +4209,35 @@
           <a:lstStyle/>
           <a:p>
             <a:r>
-              <a:rPr lang="en-IN" sz="4000" dirty="0" smtClean="0">
+              <a:rPr lang="en-IN" sz="4000" dirty="0">
                 <a:solidFill>
                   <a:srgbClr val="F4F4F2"/>
                 </a:solidFill>
-                <a:latin typeface="Amasis MT Pro Black" panose="02040A04050005020304" pitchFamily="18" charset="0"/>
+                <a:latin typeface="Algerian" panose="04020705040A02060702" pitchFamily="82" charset="0"/>
               </a:rPr>
-              <a:t>Risk Management Rules</a:t>
-            </a:r>
+              <a:t>Rule No. 1 : Never lose money</a:t>
+            </a:r>
+          </a:p>
+          <a:p>
             <a:endParaRPr lang="en-IN" sz="4000" dirty="0">
               <a:solidFill>
                 <a:srgbClr val="F4F4F2"/>
               </a:solidFill>
-              <a:latin typeface="Amasis MT Pro Black" panose="02040A04050005020304" pitchFamily="18" charset="0"/>
+              <a:latin typeface="Algerian" panose="04020705040A02060702" pitchFamily="82" charset="0"/>
             </a:endParaRPr>
           </a:p>
-        </p:txBody>
-      </p:sp>
-      <p:sp>
-        <p:nvSpPr>
-          <p:cNvPr id="7" name="TextBox 6">
-            <a:extLst>
-              <a:ext uri="{FF2B5EF4-FFF2-40B4-BE49-F238E27FC236}">
-                <a16:creationId xmlns:a16="http://schemas.microsoft.com/office/drawing/2014/main" xmlns="" id="{4CE4714F-5B28-DDDA-2E6D-2AD9A4F1FC7E}"/>
-              </a:ext>
-            </a:extLst>
-          </p:cNvPr>
-          <p:cNvSpPr txBox="1"/>
-          <p:nvPr/>
-        </p:nvSpPr>
-        <p:spPr>
-          <a:xfrm>
-            <a:off x="665478" y="1383943"/>
-            <a:ext cx="7735502" cy="4524315"/>
-          </a:xfrm>
-          <a:prstGeom prst="rect">
-            <a:avLst/>
-          </a:prstGeom>
-          <a:noFill/>
-        </p:spPr>
-        <p:txBody>
-          <a:bodyPr wrap="square" rtlCol="0">
-            <a:spAutoFit/>
-          </a:bodyPr>
-          <a:lstStyle/>
-          <a:p>
-            <a:pPr marL="342900" marR="0" lvl="0" indent="-342900" algn="l" defTabSz="457200" rtl="0" eaLnBrk="1" fontAlgn="auto" latinLnBrk="0" hangingPunct="1">
-              <a:lnSpc>
-                <a:spcPct val="100000"/>
-              </a:lnSpc>
-              <a:spcBef>
-                <a:spcPts val="0"/>
-              </a:spcBef>
-              <a:spcAft>
-                <a:spcPts val="0"/>
-              </a:spcAft>
-              <a:buClrTx/>
-              <a:buSzTx/>
-              <a:tabLst/>
-              <a:defRPr/>
-            </a:pPr>
-            <a:r>
-              <a:rPr lang="en-IN" sz="2400" dirty="0" smtClean="0">
+          <a:p>
+            <a:r>
+              <a:rPr lang="en-IN" sz="4000" dirty="0">
                 <a:solidFill>
-                  <a:prstClr val="white"/>
+                  <a:srgbClr val="F4F4F2"/>
                 </a:solidFill>
-                <a:latin typeface="Cascadia Code SemiBold" pitchFamily="50" charset="0"/>
-                <a:cs typeface="Cascadia Code SemiBold" pitchFamily="50" charset="0"/>
+                <a:latin typeface="Algerian" panose="04020705040A02060702" pitchFamily="82" charset="0"/>
               </a:rPr>
-              <a:t>Rule 1: Protecting Capital is primary,</a:t>
-            </a:r>
-          </a:p>
-          <a:p>
-            <a:pPr marL="342900" marR="0" lvl="0" indent="-342900" algn="l" defTabSz="457200" rtl="0" eaLnBrk="1" fontAlgn="auto" latinLnBrk="0" hangingPunct="1">
-              <a:lnSpc>
-                <a:spcPct val="100000"/>
-              </a:lnSpc>
-              <a:spcBef>
-                <a:spcPts val="0"/>
-              </a:spcBef>
-              <a:spcAft>
-                <a:spcPts val="0"/>
-              </a:spcAft>
-              <a:buClrTx/>
-              <a:buSzTx/>
-              <a:tabLst/>
-              <a:defRPr/>
-            </a:pPr>
-            <a:r>
-              <a:rPr kumimoji="0" lang="en-IN" sz="2400" b="0" i="0" u="none" strike="noStrike" kern="1200" cap="none" spc="0" normalizeH="0" noProof="0" dirty="0" smtClean="0">
-                <a:ln>
-                  <a:noFill/>
-                </a:ln>
-                <a:solidFill>
-                  <a:prstClr val="white"/>
-                </a:solidFill>
-                <a:effectLst/>
-                <a:uLnTx/>
-                <a:uFillTx/>
-                <a:latin typeface="Cascadia Code SemiBold" pitchFamily="50" charset="0"/>
-                <a:ea typeface="+mn-ea"/>
-                <a:cs typeface="Cascadia Code SemiBold" pitchFamily="50" charset="0"/>
-              </a:rPr>
-              <a:t>        Earning profits is secondary.</a:t>
-            </a:r>
-          </a:p>
-          <a:p>
-            <a:pPr marL="342900" marR="0" lvl="0" indent="-342900" algn="l" defTabSz="457200" rtl="0" eaLnBrk="1" fontAlgn="auto" latinLnBrk="0" hangingPunct="1">
-              <a:lnSpc>
-                <a:spcPct val="100000"/>
-              </a:lnSpc>
-              <a:spcBef>
-                <a:spcPts val="0"/>
-              </a:spcBef>
-              <a:spcAft>
-                <a:spcPts val="0"/>
-              </a:spcAft>
-              <a:buClrTx/>
-              <a:buSzTx/>
-              <a:tabLst/>
-              <a:defRPr/>
-            </a:pPr>
-            <a:endParaRPr lang="en-IN" sz="2400" dirty="0" smtClean="0">
-              <a:solidFill>
-                <a:prstClr val="white"/>
-              </a:solidFill>
-              <a:latin typeface="Cascadia Code SemiBold" pitchFamily="50" charset="0"/>
-              <a:cs typeface="Cascadia Code SemiBold" pitchFamily="50" charset="0"/>
-            </a:endParaRPr>
-          </a:p>
-          <a:p>
-            <a:pPr marL="342900" marR="0" lvl="0" indent="-342900" algn="l" defTabSz="457200" rtl="0" eaLnBrk="1" fontAlgn="auto" latinLnBrk="0" hangingPunct="1">
-              <a:lnSpc>
-                <a:spcPct val="100000"/>
-              </a:lnSpc>
-              <a:spcBef>
-                <a:spcPts val="0"/>
-              </a:spcBef>
-              <a:spcAft>
-                <a:spcPts val="0"/>
-              </a:spcAft>
-              <a:buClrTx/>
-              <a:buSzTx/>
-              <a:tabLst/>
-              <a:defRPr/>
-            </a:pPr>
-            <a:r>
-              <a:rPr kumimoji="0" lang="en-IN" sz="2400" b="0" i="0" u="none" strike="noStrike" kern="1200" cap="none" spc="0" normalizeH="0" noProof="0" dirty="0" smtClean="0">
-                <a:ln>
-                  <a:noFill/>
-                </a:ln>
-                <a:solidFill>
-                  <a:prstClr val="white"/>
-                </a:solidFill>
-                <a:effectLst/>
-                <a:uLnTx/>
-                <a:uFillTx/>
-                <a:latin typeface="Cascadia Code SemiBold" pitchFamily="50" charset="0"/>
-                <a:ea typeface="+mn-ea"/>
-                <a:cs typeface="Cascadia Code SemiBold" pitchFamily="50" charset="0"/>
-              </a:rPr>
-              <a:t>Rule 2: Invest money which you don’t    			 need.</a:t>
-            </a:r>
-          </a:p>
-          <a:p>
-            <a:pPr marL="342900" marR="0" lvl="0" indent="-342900" algn="l" defTabSz="457200" rtl="0" eaLnBrk="1" fontAlgn="auto" latinLnBrk="0" hangingPunct="1">
-              <a:lnSpc>
-                <a:spcPct val="100000"/>
-              </a:lnSpc>
-              <a:spcBef>
-                <a:spcPts val="0"/>
-              </a:spcBef>
-              <a:spcAft>
-                <a:spcPts val="0"/>
-              </a:spcAft>
-              <a:buClrTx/>
-              <a:buSzTx/>
-              <a:tabLst/>
-              <a:defRPr/>
-            </a:pPr>
-            <a:endParaRPr lang="en-IN" sz="2400" dirty="0" smtClean="0">
-              <a:solidFill>
-                <a:prstClr val="white"/>
-              </a:solidFill>
-              <a:latin typeface="Cascadia Code SemiBold" pitchFamily="50" charset="0"/>
-              <a:cs typeface="Cascadia Code SemiBold" pitchFamily="50" charset="0"/>
-            </a:endParaRPr>
-          </a:p>
-          <a:p>
-            <a:pPr marL="342900" marR="0" lvl="0" indent="-342900" algn="l" defTabSz="457200" rtl="0" eaLnBrk="1" fontAlgn="auto" latinLnBrk="0" hangingPunct="1">
-              <a:lnSpc>
-                <a:spcPct val="100000"/>
-              </a:lnSpc>
-              <a:spcBef>
-                <a:spcPts val="0"/>
-              </a:spcBef>
-              <a:spcAft>
-                <a:spcPts val="0"/>
-              </a:spcAft>
-              <a:buClrTx/>
-              <a:buSzTx/>
-              <a:tabLst/>
-              <a:defRPr/>
-            </a:pPr>
-            <a:r>
-              <a:rPr lang="en-IN" sz="2400" dirty="0" smtClean="0">
-                <a:solidFill>
-                  <a:prstClr val="white"/>
-                </a:solidFill>
-                <a:latin typeface="Cascadia Code SemiBold" pitchFamily="50" charset="0"/>
-                <a:cs typeface="Cascadia Code SemiBold" pitchFamily="50" charset="0"/>
-              </a:rPr>
-              <a:t>Rule 3: Don’t take loan and invest. Its 			 suicide.</a:t>
-            </a:r>
-          </a:p>
-          <a:p>
-            <a:pPr marL="342900" marR="0" lvl="0" indent="-342900" algn="l" defTabSz="457200" rtl="0" eaLnBrk="1" fontAlgn="auto" latinLnBrk="0" hangingPunct="1">
-              <a:lnSpc>
-                <a:spcPct val="100000"/>
-              </a:lnSpc>
-              <a:spcBef>
-                <a:spcPts val="0"/>
-              </a:spcBef>
-              <a:spcAft>
-                <a:spcPts val="0"/>
-              </a:spcAft>
-              <a:buClrTx/>
-              <a:buSzTx/>
-              <a:tabLst/>
-              <a:defRPr/>
-            </a:pPr>
-            <a:endParaRPr kumimoji="0" lang="en-IN" sz="2400" b="0" i="0" u="none" strike="noStrike" kern="1200" cap="none" spc="0" normalizeH="0" noProof="0" dirty="0" smtClean="0">
-              <a:ln>
-                <a:noFill/>
-              </a:ln>
-              <a:solidFill>
-                <a:prstClr val="white"/>
-              </a:solidFill>
-              <a:effectLst/>
-              <a:uLnTx/>
-              <a:uFillTx/>
-              <a:latin typeface="Cascadia Code SemiBold" pitchFamily="50" charset="0"/>
-              <a:ea typeface="+mn-ea"/>
-              <a:cs typeface="Cascadia Code SemiBold" pitchFamily="50" charset="0"/>
-            </a:endParaRPr>
-          </a:p>
-          <a:p>
-            <a:pPr marL="342900" marR="0" lvl="0" indent="-342900" algn="l" defTabSz="457200" rtl="0" eaLnBrk="1" fontAlgn="auto" latinLnBrk="0" hangingPunct="1">
-              <a:lnSpc>
-                <a:spcPct val="100000"/>
-              </a:lnSpc>
-              <a:spcBef>
-                <a:spcPts val="0"/>
-              </a:spcBef>
-              <a:spcAft>
-                <a:spcPts val="0"/>
-              </a:spcAft>
-              <a:buClrTx/>
-              <a:buSzTx/>
-              <a:tabLst/>
-              <a:defRPr/>
-            </a:pPr>
-            <a:r>
-              <a:rPr kumimoji="0" lang="en-IN" sz="2400" b="0" i="0" u="none" strike="noStrike" kern="1200" cap="none" spc="0" normalizeH="0" noProof="0" dirty="0" smtClean="0">
-                <a:ln>
-                  <a:noFill/>
-                </a:ln>
-                <a:solidFill>
-                  <a:prstClr val="white"/>
-                </a:solidFill>
-                <a:effectLst/>
-                <a:uLnTx/>
-                <a:uFillTx/>
-                <a:latin typeface="Cascadia Code SemiBold" pitchFamily="50" charset="0"/>
-                <a:ea typeface="+mn-ea"/>
-                <a:cs typeface="Cascadia Code SemiBold" pitchFamily="50" charset="0"/>
-              </a:rPr>
-              <a:t>Rule 4: Diversify. Don’t invest more than 			10% in one </a:t>
-            </a:r>
-            <a:r>
-              <a:rPr kumimoji="0" lang="en-IN" sz="2400" b="0" i="0" u="none" strike="noStrike" kern="1200" cap="none" spc="0" normalizeH="0" noProof="0" smtClean="0">
-                <a:ln>
-                  <a:noFill/>
-                </a:ln>
-                <a:solidFill>
-                  <a:prstClr val="white"/>
-                </a:solidFill>
-                <a:effectLst/>
-                <a:uLnTx/>
-                <a:uFillTx/>
-                <a:latin typeface="Cascadia Code SemiBold" pitchFamily="50" charset="0"/>
-                <a:ea typeface="+mn-ea"/>
-                <a:cs typeface="Cascadia Code SemiBold" pitchFamily="50" charset="0"/>
-              </a:rPr>
-              <a:t>stock.</a:t>
-            </a:r>
-            <a:endParaRPr kumimoji="0" lang="en-IN" sz="2400" b="0" i="0" u="none" strike="noStrike" kern="1200" cap="none" spc="0" normalizeH="0" noProof="0" dirty="0" smtClean="0">
-              <a:ln>
-                <a:noFill/>
-              </a:ln>
-              <a:solidFill>
-                <a:prstClr val="white"/>
-              </a:solidFill>
-              <a:effectLst/>
-              <a:uLnTx/>
-              <a:uFillTx/>
-              <a:latin typeface="Cascadia Code SemiBold" pitchFamily="50" charset="0"/>
-              <a:ea typeface="+mn-ea"/>
-              <a:cs typeface="Cascadia Code SemiBold" pitchFamily="50" charset="0"/>
-            </a:endParaRPr>
-          </a:p>
-          <a:p>
-            <a:pPr marL="342900" marR="0" lvl="0" indent="-342900" algn="l" defTabSz="457200" rtl="0" eaLnBrk="1" fontAlgn="auto" latinLnBrk="0" hangingPunct="1">
-              <a:lnSpc>
-                <a:spcPct val="100000"/>
-              </a:lnSpc>
-              <a:spcBef>
-                <a:spcPts val="0"/>
-              </a:spcBef>
-              <a:spcAft>
-                <a:spcPts val="0"/>
-              </a:spcAft>
-              <a:buClrTx/>
-              <a:buSzTx/>
-              <a:tabLst/>
-              <a:defRPr/>
-            </a:pPr>
-            <a:r>
-              <a:rPr kumimoji="0" lang="en-IN" sz="2400" b="0" i="0" u="none" strike="noStrike" kern="1200" cap="none" spc="0" normalizeH="0" noProof="0" dirty="0" smtClean="0">
-                <a:ln>
-                  <a:noFill/>
-                </a:ln>
-                <a:solidFill>
-                  <a:prstClr val="white"/>
-                </a:solidFill>
-                <a:effectLst/>
-                <a:uLnTx/>
-                <a:uFillTx/>
-                <a:latin typeface="Cascadia Code SemiBold" pitchFamily="50" charset="0"/>
-                <a:ea typeface="+mn-ea"/>
-                <a:cs typeface="Cascadia Code SemiBold" pitchFamily="50" charset="0"/>
-              </a:rPr>
-              <a:t>Rule 5: Maintain Risk-Reward Ratio.</a:t>
-            </a:r>
-            <a:endParaRPr kumimoji="0" lang="en-IN" sz="2400" b="0" i="0" u="none" strike="noStrike" kern="1200" cap="none" spc="0" normalizeH="0" noProof="0" dirty="0">
-              <a:ln>
-                <a:noFill/>
-              </a:ln>
-              <a:solidFill>
-                <a:prstClr val="white"/>
-              </a:solidFill>
-              <a:effectLst/>
-              <a:uLnTx/>
-              <a:uFillTx/>
-              <a:latin typeface="Cascadia Code SemiBold" pitchFamily="50" charset="0"/>
-              <a:ea typeface="+mn-ea"/>
-              <a:cs typeface="Cascadia Code SemiBold" pitchFamily="50" charset="0"/>
+              <a:t>Rule No. 2 : Never forget rule no. 1</a:t>
+            </a:r>
+            <a:endParaRPr lang="en-IN" sz="4000" dirty="0">
+              <a:latin typeface="Algerian" panose="04020705040A02060702" pitchFamily="82" charset="0"/>
             </a:endParaRPr>
           </a:p>
         </p:txBody>
@@ -4571,7 +4245,7 @@
     </p:spTree>
     <p:extLst>
       <p:ext uri="{BB962C8B-B14F-4D97-AF65-F5344CB8AC3E}">
-        <p14:creationId xmlns:p14="http://schemas.microsoft.com/office/powerpoint/2010/main" xmlns="" val="2656182769"/>
+        <p14:creationId xmlns:p14="http://schemas.microsoft.com/office/powerpoint/2010/main" val="2656182769"/>
       </p:ext>
     </p:extLst>
   </p:cSld>
@@ -4579,13 +4253,6 @@
     <a:masterClrMapping/>
   </p:clrMapOvr>
   <p:transition/>
-  <p:timing>
-    <p:tnLst>
-      <p:par>
-        <p:cTn id="1" dur="indefinite" restart="never" nodeType="tmRoot"/>
-      </p:par>
-    </p:tnLst>
-  </p:timing>
 </p:sld>
 </file>
 
@@ -4619,7 +4286,887 @@
           <p:cNvPr id="3" name="TextBox 2">
             <a:extLst>
               <a:ext uri="{FF2B5EF4-FFF2-40B4-BE49-F238E27FC236}">
-                <a16:creationId xmlns:a16="http://schemas.microsoft.com/office/drawing/2014/main" xmlns="" id="{3FCF3979-E4B3-0634-4C0B-AB862892E9BF}"/>
+                <a16:creationId xmlns:a16="http://schemas.microsoft.com/office/drawing/2014/main" id="{3FCF3979-E4B3-0634-4C0B-AB862892E9BF}"/>
+              </a:ext>
+            </a:extLst>
+          </p:cNvPr>
+          <p:cNvSpPr txBox="1"/>
+          <p:nvPr/>
+        </p:nvSpPr>
+        <p:spPr>
+          <a:xfrm>
+            <a:off x="596282" y="452140"/>
+            <a:ext cx="6661045" cy="707886"/>
+          </a:xfrm>
+          <a:prstGeom prst="rect">
+            <a:avLst/>
+          </a:prstGeom>
+          <a:noFill/>
+        </p:spPr>
+        <p:txBody>
+          <a:bodyPr wrap="square" rtlCol="0">
+            <a:spAutoFit/>
+          </a:bodyPr>
+          <a:lstStyle/>
+          <a:p>
+            <a:pPr marL="0" marR="0" lvl="0" indent="0" algn="l" defTabSz="914400" rtl="0" eaLnBrk="1" fontAlgn="auto" latinLnBrk="0" hangingPunct="1">
+              <a:lnSpc>
+                <a:spcPct val="100000"/>
+              </a:lnSpc>
+              <a:spcBef>
+                <a:spcPts val="0"/>
+              </a:spcBef>
+              <a:spcAft>
+                <a:spcPts val="0"/>
+              </a:spcAft>
+              <a:buClrTx/>
+              <a:buSzTx/>
+              <a:buFontTx/>
+              <a:buNone/>
+              <a:tabLst/>
+              <a:defRPr/>
+            </a:pPr>
+            <a:r>
+              <a:rPr kumimoji="0" lang="en-IN" sz="4000" b="0" i="0" u="none" strike="noStrike" kern="1200" cap="none" spc="0" normalizeH="0" baseline="0" noProof="0" dirty="0">
+                <a:ln>
+                  <a:noFill/>
+                </a:ln>
+                <a:solidFill>
+                  <a:srgbClr val="F4F4F2"/>
+                </a:solidFill>
+                <a:effectLst/>
+                <a:uLnTx/>
+                <a:uFillTx/>
+                <a:latin typeface="Amasis MT Pro Black" panose="02040A04050005020304" pitchFamily="18" charset="0"/>
+                <a:ea typeface="+mn-ea"/>
+                <a:cs typeface="+mn-cs"/>
+              </a:rPr>
+              <a:t>Risk Management Rules</a:t>
+            </a:r>
+          </a:p>
+        </p:txBody>
+      </p:sp>
+      <p:sp>
+        <p:nvSpPr>
+          <p:cNvPr id="7" name="TextBox 6">
+            <a:extLst>
+              <a:ext uri="{FF2B5EF4-FFF2-40B4-BE49-F238E27FC236}">
+                <a16:creationId xmlns:a16="http://schemas.microsoft.com/office/drawing/2014/main" id="{4CE4714F-5B28-DDDA-2E6D-2AD9A4F1FC7E}"/>
+              </a:ext>
+            </a:extLst>
+          </p:cNvPr>
+          <p:cNvSpPr txBox="1"/>
+          <p:nvPr/>
+        </p:nvSpPr>
+        <p:spPr>
+          <a:xfrm>
+            <a:off x="665478" y="1383943"/>
+            <a:ext cx="7735502" cy="4893647"/>
+          </a:xfrm>
+          <a:prstGeom prst="rect">
+            <a:avLst/>
+          </a:prstGeom>
+          <a:noFill/>
+        </p:spPr>
+        <p:txBody>
+          <a:bodyPr wrap="square" rtlCol="0">
+            <a:spAutoFit/>
+          </a:bodyPr>
+          <a:lstStyle/>
+          <a:p>
+            <a:pPr marL="342900" marR="0" lvl="0" indent="-342900" algn="l" defTabSz="457200" rtl="0" eaLnBrk="1" fontAlgn="auto" latinLnBrk="0" hangingPunct="1">
+              <a:lnSpc>
+                <a:spcPct val="100000"/>
+              </a:lnSpc>
+              <a:spcBef>
+                <a:spcPts val="0"/>
+              </a:spcBef>
+              <a:spcAft>
+                <a:spcPts val="0"/>
+              </a:spcAft>
+              <a:buClrTx/>
+              <a:buSzTx/>
+              <a:buFontTx/>
+              <a:buNone/>
+              <a:tabLst/>
+              <a:defRPr/>
+            </a:pPr>
+            <a:r>
+              <a:rPr kumimoji="0" lang="en-IN" sz="2400" b="0" i="0" u="none" strike="noStrike" kern="1200" cap="none" spc="0" normalizeH="0" baseline="0" noProof="0" dirty="0">
+                <a:ln>
+                  <a:noFill/>
+                </a:ln>
+                <a:solidFill>
+                  <a:prstClr val="white"/>
+                </a:solidFill>
+                <a:effectLst/>
+                <a:uLnTx/>
+                <a:uFillTx/>
+                <a:latin typeface="Cascadia Code SemiBold" pitchFamily="50" charset="0"/>
+                <a:ea typeface="+mn-ea"/>
+                <a:cs typeface="Cascadia Code SemiBold" pitchFamily="50" charset="0"/>
+              </a:rPr>
+              <a:t>Rule 1: Protecting Capital is primary,</a:t>
+            </a:r>
+          </a:p>
+          <a:p>
+            <a:pPr marL="342900" marR="0" lvl="0" indent="-342900" algn="l" defTabSz="457200" rtl="0" eaLnBrk="1" fontAlgn="auto" latinLnBrk="0" hangingPunct="1">
+              <a:lnSpc>
+                <a:spcPct val="100000"/>
+              </a:lnSpc>
+              <a:spcBef>
+                <a:spcPts val="0"/>
+              </a:spcBef>
+              <a:spcAft>
+                <a:spcPts val="0"/>
+              </a:spcAft>
+              <a:buClrTx/>
+              <a:buSzTx/>
+              <a:buFontTx/>
+              <a:buNone/>
+              <a:tabLst/>
+              <a:defRPr/>
+            </a:pPr>
+            <a:r>
+              <a:rPr kumimoji="0" lang="en-IN" sz="2400" b="0" i="0" u="none" strike="noStrike" kern="1200" cap="none" spc="0" normalizeH="0" baseline="0" noProof="0" dirty="0">
+                <a:ln>
+                  <a:noFill/>
+                </a:ln>
+                <a:solidFill>
+                  <a:prstClr val="white"/>
+                </a:solidFill>
+                <a:effectLst/>
+                <a:uLnTx/>
+                <a:uFillTx/>
+                <a:latin typeface="Cascadia Code SemiBold" pitchFamily="50" charset="0"/>
+                <a:ea typeface="+mn-ea"/>
+                <a:cs typeface="Cascadia Code SemiBold" pitchFamily="50" charset="0"/>
+              </a:rPr>
+              <a:t>        Earning profits is secondary.</a:t>
+            </a:r>
+          </a:p>
+          <a:p>
+            <a:pPr marL="342900" marR="0" lvl="0" indent="-342900" algn="l" defTabSz="457200" rtl="0" eaLnBrk="1" fontAlgn="auto" latinLnBrk="0" hangingPunct="1">
+              <a:lnSpc>
+                <a:spcPct val="100000"/>
+              </a:lnSpc>
+              <a:spcBef>
+                <a:spcPts val="0"/>
+              </a:spcBef>
+              <a:spcAft>
+                <a:spcPts val="0"/>
+              </a:spcAft>
+              <a:buClrTx/>
+              <a:buSzTx/>
+              <a:buFontTx/>
+              <a:buNone/>
+              <a:tabLst/>
+              <a:defRPr/>
+            </a:pPr>
+            <a:endParaRPr kumimoji="0" lang="en-IN" sz="2400" b="0" i="0" u="none" strike="noStrike" kern="1200" cap="none" spc="0" normalizeH="0" baseline="0" noProof="0" dirty="0">
+              <a:ln>
+                <a:noFill/>
+              </a:ln>
+              <a:solidFill>
+                <a:prstClr val="white"/>
+              </a:solidFill>
+              <a:effectLst/>
+              <a:uLnTx/>
+              <a:uFillTx/>
+              <a:latin typeface="Cascadia Code SemiBold" pitchFamily="50" charset="0"/>
+              <a:ea typeface="+mn-ea"/>
+              <a:cs typeface="Cascadia Code SemiBold" pitchFamily="50" charset="0"/>
+            </a:endParaRPr>
+          </a:p>
+          <a:p>
+            <a:pPr marL="342900" marR="0" lvl="0" indent="-342900" algn="l" defTabSz="457200" rtl="0" eaLnBrk="1" fontAlgn="auto" latinLnBrk="0" hangingPunct="1">
+              <a:lnSpc>
+                <a:spcPct val="100000"/>
+              </a:lnSpc>
+              <a:spcBef>
+                <a:spcPts val="0"/>
+              </a:spcBef>
+              <a:spcAft>
+                <a:spcPts val="0"/>
+              </a:spcAft>
+              <a:buClrTx/>
+              <a:buSzTx/>
+              <a:buFontTx/>
+              <a:buNone/>
+              <a:tabLst/>
+              <a:defRPr/>
+            </a:pPr>
+            <a:r>
+              <a:rPr kumimoji="0" lang="en-IN" sz="2400" b="0" i="0" u="none" strike="noStrike" kern="1200" cap="none" spc="0" normalizeH="0" baseline="0" noProof="0" dirty="0">
+                <a:ln>
+                  <a:noFill/>
+                </a:ln>
+                <a:solidFill>
+                  <a:prstClr val="white"/>
+                </a:solidFill>
+                <a:effectLst/>
+                <a:uLnTx/>
+                <a:uFillTx/>
+                <a:latin typeface="Cascadia Code SemiBold" pitchFamily="50" charset="0"/>
+                <a:ea typeface="+mn-ea"/>
+                <a:cs typeface="Cascadia Code SemiBold" pitchFamily="50" charset="0"/>
+              </a:rPr>
+              <a:t>Rule 2: Invest money which you don’t    			 	need.</a:t>
+            </a:r>
+          </a:p>
+          <a:p>
+            <a:pPr marL="342900" marR="0" lvl="0" indent="-342900" algn="l" defTabSz="457200" rtl="0" eaLnBrk="1" fontAlgn="auto" latinLnBrk="0" hangingPunct="1">
+              <a:lnSpc>
+                <a:spcPct val="100000"/>
+              </a:lnSpc>
+              <a:spcBef>
+                <a:spcPts val="0"/>
+              </a:spcBef>
+              <a:spcAft>
+                <a:spcPts val="0"/>
+              </a:spcAft>
+              <a:buClrTx/>
+              <a:buSzTx/>
+              <a:buFontTx/>
+              <a:buNone/>
+              <a:tabLst/>
+              <a:defRPr/>
+            </a:pPr>
+            <a:endParaRPr kumimoji="0" lang="en-IN" sz="2400" b="0" i="0" u="none" strike="noStrike" kern="1200" cap="none" spc="0" normalizeH="0" baseline="0" noProof="0" dirty="0">
+              <a:ln>
+                <a:noFill/>
+              </a:ln>
+              <a:solidFill>
+                <a:prstClr val="white"/>
+              </a:solidFill>
+              <a:effectLst/>
+              <a:uLnTx/>
+              <a:uFillTx/>
+              <a:latin typeface="Cascadia Code SemiBold" pitchFamily="50" charset="0"/>
+              <a:ea typeface="+mn-ea"/>
+              <a:cs typeface="Cascadia Code SemiBold" pitchFamily="50" charset="0"/>
+            </a:endParaRPr>
+          </a:p>
+          <a:p>
+            <a:pPr marL="342900" marR="0" lvl="0" indent="-342900" algn="l" defTabSz="457200" rtl="0" eaLnBrk="1" fontAlgn="auto" latinLnBrk="0" hangingPunct="1">
+              <a:lnSpc>
+                <a:spcPct val="100000"/>
+              </a:lnSpc>
+              <a:spcBef>
+                <a:spcPts val="0"/>
+              </a:spcBef>
+              <a:spcAft>
+                <a:spcPts val="0"/>
+              </a:spcAft>
+              <a:buClrTx/>
+              <a:buSzTx/>
+              <a:buFontTx/>
+              <a:buNone/>
+              <a:tabLst/>
+              <a:defRPr/>
+            </a:pPr>
+            <a:r>
+              <a:rPr kumimoji="0" lang="en-IN" sz="2400" b="0" i="0" u="none" strike="noStrike" kern="1200" cap="none" spc="0" normalizeH="0" baseline="0" noProof="0" dirty="0">
+                <a:ln>
+                  <a:noFill/>
+                </a:ln>
+                <a:solidFill>
+                  <a:prstClr val="white"/>
+                </a:solidFill>
+                <a:effectLst/>
+                <a:uLnTx/>
+                <a:uFillTx/>
+                <a:latin typeface="Cascadia Code SemiBold" pitchFamily="50" charset="0"/>
+                <a:ea typeface="+mn-ea"/>
+                <a:cs typeface="Cascadia Code SemiBold" pitchFamily="50" charset="0"/>
+              </a:rPr>
+              <a:t>Rule 3: Don’t take loan and invest. Its 			 	suicide.</a:t>
+            </a:r>
+          </a:p>
+          <a:p>
+            <a:pPr marL="342900" marR="0" lvl="0" indent="-342900" algn="l" defTabSz="457200" rtl="0" eaLnBrk="1" fontAlgn="auto" latinLnBrk="0" hangingPunct="1">
+              <a:lnSpc>
+                <a:spcPct val="100000"/>
+              </a:lnSpc>
+              <a:spcBef>
+                <a:spcPts val="0"/>
+              </a:spcBef>
+              <a:spcAft>
+                <a:spcPts val="0"/>
+              </a:spcAft>
+              <a:buClrTx/>
+              <a:buSzTx/>
+              <a:buFontTx/>
+              <a:buNone/>
+              <a:tabLst/>
+              <a:defRPr/>
+            </a:pPr>
+            <a:endParaRPr kumimoji="0" lang="en-IN" sz="2400" b="0" i="0" u="none" strike="noStrike" kern="1200" cap="none" spc="0" normalizeH="0" baseline="0" noProof="0" dirty="0">
+              <a:ln>
+                <a:noFill/>
+              </a:ln>
+              <a:solidFill>
+                <a:prstClr val="white"/>
+              </a:solidFill>
+              <a:effectLst/>
+              <a:uLnTx/>
+              <a:uFillTx/>
+              <a:latin typeface="Cascadia Code SemiBold" pitchFamily="50" charset="0"/>
+              <a:ea typeface="+mn-ea"/>
+              <a:cs typeface="Cascadia Code SemiBold" pitchFamily="50" charset="0"/>
+            </a:endParaRPr>
+          </a:p>
+          <a:p>
+            <a:pPr marL="342900" marR="0" lvl="0" indent="-342900" algn="l" defTabSz="457200" rtl="0" eaLnBrk="1" fontAlgn="auto" latinLnBrk="0" hangingPunct="1">
+              <a:lnSpc>
+                <a:spcPct val="100000"/>
+              </a:lnSpc>
+              <a:spcBef>
+                <a:spcPts val="0"/>
+              </a:spcBef>
+              <a:spcAft>
+                <a:spcPts val="0"/>
+              </a:spcAft>
+              <a:buClrTx/>
+              <a:buSzTx/>
+              <a:buFontTx/>
+              <a:buNone/>
+              <a:tabLst/>
+              <a:defRPr/>
+            </a:pPr>
+            <a:r>
+              <a:rPr kumimoji="0" lang="en-IN" sz="2400" b="0" i="0" u="none" strike="noStrike" kern="1200" cap="none" spc="0" normalizeH="0" baseline="0" noProof="0" dirty="0">
+                <a:ln>
+                  <a:noFill/>
+                </a:ln>
+                <a:solidFill>
+                  <a:prstClr val="white"/>
+                </a:solidFill>
+                <a:effectLst/>
+                <a:uLnTx/>
+                <a:uFillTx/>
+                <a:latin typeface="Cascadia Code SemiBold" pitchFamily="50" charset="0"/>
+                <a:ea typeface="+mn-ea"/>
+                <a:cs typeface="Cascadia Code SemiBold" pitchFamily="50" charset="0"/>
+              </a:rPr>
+              <a:t>Rule 4: Diversify. Don’t invest more than 			10% in one stock.</a:t>
+            </a:r>
+          </a:p>
+          <a:p>
+            <a:pPr marL="342900" marR="0" lvl="0" indent="-342900" algn="l" defTabSz="457200" rtl="0" eaLnBrk="1" fontAlgn="auto" latinLnBrk="0" hangingPunct="1">
+              <a:lnSpc>
+                <a:spcPct val="100000"/>
+              </a:lnSpc>
+              <a:spcBef>
+                <a:spcPts val="0"/>
+              </a:spcBef>
+              <a:spcAft>
+                <a:spcPts val="0"/>
+              </a:spcAft>
+              <a:buClrTx/>
+              <a:buSzTx/>
+              <a:buFontTx/>
+              <a:buNone/>
+              <a:tabLst/>
+              <a:defRPr/>
+            </a:pPr>
+            <a:endParaRPr kumimoji="0" lang="en-IN" sz="2400" b="0" i="0" u="none" strike="noStrike" kern="1200" cap="none" spc="0" normalizeH="0" baseline="0" noProof="0" dirty="0">
+              <a:ln>
+                <a:noFill/>
+              </a:ln>
+              <a:solidFill>
+                <a:prstClr val="white"/>
+              </a:solidFill>
+              <a:effectLst/>
+              <a:uLnTx/>
+              <a:uFillTx/>
+              <a:latin typeface="Cascadia Code SemiBold" pitchFamily="50" charset="0"/>
+              <a:ea typeface="+mn-ea"/>
+              <a:cs typeface="Cascadia Code SemiBold" pitchFamily="50" charset="0"/>
+            </a:endParaRPr>
+          </a:p>
+          <a:p>
+            <a:pPr marL="342900" marR="0" lvl="0" indent="-342900" algn="l" defTabSz="457200" rtl="0" eaLnBrk="1" fontAlgn="auto" latinLnBrk="0" hangingPunct="1">
+              <a:lnSpc>
+                <a:spcPct val="100000"/>
+              </a:lnSpc>
+              <a:spcBef>
+                <a:spcPts val="0"/>
+              </a:spcBef>
+              <a:spcAft>
+                <a:spcPts val="0"/>
+              </a:spcAft>
+              <a:buClrTx/>
+              <a:buSzTx/>
+              <a:buFontTx/>
+              <a:buNone/>
+              <a:tabLst/>
+              <a:defRPr/>
+            </a:pPr>
+            <a:r>
+              <a:rPr kumimoji="0" lang="en-IN" sz="2400" b="0" i="0" u="none" strike="noStrike" kern="1200" cap="none" spc="0" normalizeH="0" baseline="0" noProof="0" dirty="0">
+                <a:ln>
+                  <a:noFill/>
+                </a:ln>
+                <a:solidFill>
+                  <a:prstClr val="white"/>
+                </a:solidFill>
+                <a:effectLst/>
+                <a:uLnTx/>
+                <a:uFillTx/>
+                <a:latin typeface="Cascadia Code SemiBold" pitchFamily="50" charset="0"/>
+                <a:ea typeface="+mn-ea"/>
+                <a:cs typeface="Cascadia Code SemiBold" pitchFamily="50" charset="0"/>
+              </a:rPr>
+              <a:t>Rule 5: Maintain Risk-Reward Ratio.</a:t>
+            </a:r>
+          </a:p>
+        </p:txBody>
+      </p:sp>
+    </p:spTree>
+    <p:extLst>
+      <p:ext uri="{BB962C8B-B14F-4D97-AF65-F5344CB8AC3E}">
+        <p14:creationId xmlns:p14="http://schemas.microsoft.com/office/powerpoint/2010/main" val="3080285700"/>
+      </p:ext>
+    </p:extLst>
+  </p:cSld>
+  <p:clrMapOvr>
+    <a:masterClrMapping/>
+  </p:clrMapOvr>
+  <p:transition/>
+  <p:timing>
+    <p:tnLst>
+      <p:par>
+        <p:cTn id="1" dur="indefinite" restart="never" nodeType="tmRoot">
+          <p:childTnLst>
+            <p:seq concurrent="1" nextAc="seek">
+              <p:cTn id="2" dur="indefinite" nodeType="mainSeq">
+                <p:childTnLst>
+                  <p:par>
+                    <p:cTn id="3" fill="hold">
+                      <p:stCondLst>
+                        <p:cond delay="indefinite"/>
+                      </p:stCondLst>
+                      <p:childTnLst>
+                        <p:par>
+                          <p:cTn id="4" fill="hold">
+                            <p:stCondLst>
+                              <p:cond delay="0"/>
+                            </p:stCondLst>
+                            <p:childTnLst>
+                              <p:par>
+                                <p:cTn id="5" presetID="10" presetClass="entr" presetSubtype="0" fill="hold" grpId="0" nodeType="clickEffect">
+                                  <p:stCondLst>
+                                    <p:cond delay="0"/>
+                                  </p:stCondLst>
+                                  <p:childTnLst>
+                                    <p:set>
+                                      <p:cBhvr>
+                                        <p:cTn id="6" dur="1" fill="hold">
+                                          <p:stCondLst>
+                                            <p:cond delay="0"/>
+                                          </p:stCondLst>
+                                        </p:cTn>
+                                        <p:tgtEl>
+                                          <p:spTgt spid="7">
+                                            <p:txEl>
+                                              <p:pRg st="0" end="0"/>
+                                            </p:txEl>
+                                          </p:spTgt>
+                                        </p:tgtEl>
+                                        <p:attrNameLst>
+                                          <p:attrName>style.visibility</p:attrName>
+                                        </p:attrNameLst>
+                                      </p:cBhvr>
+                                      <p:to>
+                                        <p:strVal val="visible"/>
+                                      </p:to>
+                                    </p:set>
+                                    <p:animEffect transition="in" filter="fade">
+                                      <p:cBhvr>
+                                        <p:cTn id="7" dur="500"/>
+                                        <p:tgtEl>
+                                          <p:spTgt spid="7">
+                                            <p:txEl>
+                                              <p:pRg st="0" end="0"/>
+                                            </p:txEl>
+                                          </p:spTgt>
+                                        </p:tgtEl>
+                                      </p:cBhvr>
+                                    </p:animEffect>
+                                  </p:childTnLst>
+                                </p:cTn>
+                              </p:par>
+                            </p:childTnLst>
+                          </p:cTn>
+                        </p:par>
+                      </p:childTnLst>
+                    </p:cTn>
+                  </p:par>
+                  <p:par>
+                    <p:cTn id="8" fill="hold">
+                      <p:stCondLst>
+                        <p:cond delay="indefinite"/>
+                      </p:stCondLst>
+                      <p:childTnLst>
+                        <p:par>
+                          <p:cTn id="9" fill="hold">
+                            <p:stCondLst>
+                              <p:cond delay="0"/>
+                            </p:stCondLst>
+                            <p:childTnLst>
+                              <p:par>
+                                <p:cTn id="10" presetID="10" presetClass="entr" presetSubtype="0" fill="hold" grpId="0" nodeType="clickEffect">
+                                  <p:stCondLst>
+                                    <p:cond delay="0"/>
+                                  </p:stCondLst>
+                                  <p:childTnLst>
+                                    <p:set>
+                                      <p:cBhvr>
+                                        <p:cTn id="11" dur="1" fill="hold">
+                                          <p:stCondLst>
+                                            <p:cond delay="0"/>
+                                          </p:stCondLst>
+                                        </p:cTn>
+                                        <p:tgtEl>
+                                          <p:spTgt spid="7">
+                                            <p:txEl>
+                                              <p:pRg st="1" end="1"/>
+                                            </p:txEl>
+                                          </p:spTgt>
+                                        </p:tgtEl>
+                                        <p:attrNameLst>
+                                          <p:attrName>style.visibility</p:attrName>
+                                        </p:attrNameLst>
+                                      </p:cBhvr>
+                                      <p:to>
+                                        <p:strVal val="visible"/>
+                                      </p:to>
+                                    </p:set>
+                                    <p:animEffect transition="in" filter="fade">
+                                      <p:cBhvr>
+                                        <p:cTn id="12" dur="500"/>
+                                        <p:tgtEl>
+                                          <p:spTgt spid="7">
+                                            <p:txEl>
+                                              <p:pRg st="1" end="1"/>
+                                            </p:txEl>
+                                          </p:spTgt>
+                                        </p:tgtEl>
+                                      </p:cBhvr>
+                                    </p:animEffect>
+                                  </p:childTnLst>
+                                </p:cTn>
+                              </p:par>
+                            </p:childTnLst>
+                          </p:cTn>
+                        </p:par>
+                      </p:childTnLst>
+                    </p:cTn>
+                  </p:par>
+                  <p:par>
+                    <p:cTn id="13" fill="hold">
+                      <p:stCondLst>
+                        <p:cond delay="indefinite"/>
+                      </p:stCondLst>
+                      <p:childTnLst>
+                        <p:par>
+                          <p:cTn id="14" fill="hold">
+                            <p:stCondLst>
+                              <p:cond delay="0"/>
+                            </p:stCondLst>
+                            <p:childTnLst>
+                              <p:par>
+                                <p:cTn id="15" presetID="10" presetClass="entr" presetSubtype="0" fill="hold" grpId="0" nodeType="clickEffect">
+                                  <p:stCondLst>
+                                    <p:cond delay="0"/>
+                                  </p:stCondLst>
+                                  <p:childTnLst>
+                                    <p:set>
+                                      <p:cBhvr>
+                                        <p:cTn id="16" dur="1" fill="hold">
+                                          <p:stCondLst>
+                                            <p:cond delay="0"/>
+                                          </p:stCondLst>
+                                        </p:cTn>
+                                        <p:tgtEl>
+                                          <p:spTgt spid="7">
+                                            <p:txEl>
+                                              <p:pRg st="3" end="3"/>
+                                            </p:txEl>
+                                          </p:spTgt>
+                                        </p:tgtEl>
+                                        <p:attrNameLst>
+                                          <p:attrName>style.visibility</p:attrName>
+                                        </p:attrNameLst>
+                                      </p:cBhvr>
+                                      <p:to>
+                                        <p:strVal val="visible"/>
+                                      </p:to>
+                                    </p:set>
+                                    <p:animEffect transition="in" filter="fade">
+                                      <p:cBhvr>
+                                        <p:cTn id="17" dur="500"/>
+                                        <p:tgtEl>
+                                          <p:spTgt spid="7">
+                                            <p:txEl>
+                                              <p:pRg st="3" end="3"/>
+                                            </p:txEl>
+                                          </p:spTgt>
+                                        </p:tgtEl>
+                                      </p:cBhvr>
+                                    </p:animEffect>
+                                  </p:childTnLst>
+                                </p:cTn>
+                              </p:par>
+                            </p:childTnLst>
+                          </p:cTn>
+                        </p:par>
+                      </p:childTnLst>
+                    </p:cTn>
+                  </p:par>
+                  <p:par>
+                    <p:cTn id="18" fill="hold">
+                      <p:stCondLst>
+                        <p:cond delay="indefinite"/>
+                      </p:stCondLst>
+                      <p:childTnLst>
+                        <p:par>
+                          <p:cTn id="19" fill="hold">
+                            <p:stCondLst>
+                              <p:cond delay="0"/>
+                            </p:stCondLst>
+                            <p:childTnLst>
+                              <p:par>
+                                <p:cTn id="20" presetID="10" presetClass="entr" presetSubtype="0" fill="hold" grpId="0" nodeType="clickEffect">
+                                  <p:stCondLst>
+                                    <p:cond delay="0"/>
+                                  </p:stCondLst>
+                                  <p:childTnLst>
+                                    <p:set>
+                                      <p:cBhvr>
+                                        <p:cTn id="21" dur="1" fill="hold">
+                                          <p:stCondLst>
+                                            <p:cond delay="0"/>
+                                          </p:stCondLst>
+                                        </p:cTn>
+                                        <p:tgtEl>
+                                          <p:spTgt spid="7">
+                                            <p:txEl>
+                                              <p:pRg st="5" end="5"/>
+                                            </p:txEl>
+                                          </p:spTgt>
+                                        </p:tgtEl>
+                                        <p:attrNameLst>
+                                          <p:attrName>style.visibility</p:attrName>
+                                        </p:attrNameLst>
+                                      </p:cBhvr>
+                                      <p:to>
+                                        <p:strVal val="visible"/>
+                                      </p:to>
+                                    </p:set>
+                                    <p:animEffect transition="in" filter="fade">
+                                      <p:cBhvr>
+                                        <p:cTn id="22" dur="500"/>
+                                        <p:tgtEl>
+                                          <p:spTgt spid="7">
+                                            <p:txEl>
+                                              <p:pRg st="5" end="5"/>
+                                            </p:txEl>
+                                          </p:spTgt>
+                                        </p:tgtEl>
+                                      </p:cBhvr>
+                                    </p:animEffect>
+                                  </p:childTnLst>
+                                </p:cTn>
+                              </p:par>
+                            </p:childTnLst>
+                          </p:cTn>
+                        </p:par>
+                      </p:childTnLst>
+                    </p:cTn>
+                  </p:par>
+                  <p:par>
+                    <p:cTn id="23" fill="hold">
+                      <p:stCondLst>
+                        <p:cond delay="indefinite"/>
+                      </p:stCondLst>
+                      <p:childTnLst>
+                        <p:par>
+                          <p:cTn id="24" fill="hold">
+                            <p:stCondLst>
+                              <p:cond delay="0"/>
+                            </p:stCondLst>
+                            <p:childTnLst>
+                              <p:par>
+                                <p:cTn id="25" presetID="10" presetClass="entr" presetSubtype="0" fill="hold" grpId="0" nodeType="clickEffect">
+                                  <p:stCondLst>
+                                    <p:cond delay="0"/>
+                                  </p:stCondLst>
+                                  <p:childTnLst>
+                                    <p:set>
+                                      <p:cBhvr>
+                                        <p:cTn id="26" dur="1" fill="hold">
+                                          <p:stCondLst>
+                                            <p:cond delay="0"/>
+                                          </p:stCondLst>
+                                        </p:cTn>
+                                        <p:tgtEl>
+                                          <p:spTgt spid="7">
+                                            <p:txEl>
+                                              <p:pRg st="7" end="7"/>
+                                            </p:txEl>
+                                          </p:spTgt>
+                                        </p:tgtEl>
+                                        <p:attrNameLst>
+                                          <p:attrName>style.visibility</p:attrName>
+                                        </p:attrNameLst>
+                                      </p:cBhvr>
+                                      <p:to>
+                                        <p:strVal val="visible"/>
+                                      </p:to>
+                                    </p:set>
+                                    <p:animEffect transition="in" filter="fade">
+                                      <p:cBhvr>
+                                        <p:cTn id="27" dur="500"/>
+                                        <p:tgtEl>
+                                          <p:spTgt spid="7">
+                                            <p:txEl>
+                                              <p:pRg st="7" end="7"/>
+                                            </p:txEl>
+                                          </p:spTgt>
+                                        </p:tgtEl>
+                                      </p:cBhvr>
+                                    </p:animEffect>
+                                  </p:childTnLst>
+                                </p:cTn>
+                              </p:par>
+                            </p:childTnLst>
+                          </p:cTn>
+                        </p:par>
+                      </p:childTnLst>
+                    </p:cTn>
+                  </p:par>
+                  <p:par>
+                    <p:cTn id="28" fill="hold">
+                      <p:stCondLst>
+                        <p:cond delay="indefinite"/>
+                      </p:stCondLst>
+                      <p:childTnLst>
+                        <p:par>
+                          <p:cTn id="29" fill="hold">
+                            <p:stCondLst>
+                              <p:cond delay="0"/>
+                            </p:stCondLst>
+                            <p:childTnLst>
+                              <p:par>
+                                <p:cTn id="30" presetID="10" presetClass="entr" presetSubtype="0" fill="hold" grpId="0" nodeType="clickEffect">
+                                  <p:stCondLst>
+                                    <p:cond delay="0"/>
+                                  </p:stCondLst>
+                                  <p:childTnLst>
+                                    <p:set>
+                                      <p:cBhvr>
+                                        <p:cTn id="31" dur="1" fill="hold">
+                                          <p:stCondLst>
+                                            <p:cond delay="0"/>
+                                          </p:stCondLst>
+                                        </p:cTn>
+                                        <p:tgtEl>
+                                          <p:spTgt spid="7">
+                                            <p:txEl>
+                                              <p:pRg st="9" end="9"/>
+                                            </p:txEl>
+                                          </p:spTgt>
+                                        </p:tgtEl>
+                                        <p:attrNameLst>
+                                          <p:attrName>style.visibility</p:attrName>
+                                        </p:attrNameLst>
+                                      </p:cBhvr>
+                                      <p:to>
+                                        <p:strVal val="visible"/>
+                                      </p:to>
+                                    </p:set>
+                                    <p:animEffect transition="in" filter="fade">
+                                      <p:cBhvr>
+                                        <p:cTn id="32" dur="500"/>
+                                        <p:tgtEl>
+                                          <p:spTgt spid="7">
+                                            <p:txEl>
+                                              <p:pRg st="9" end="9"/>
+                                            </p:txEl>
+                                          </p:spTgt>
+                                        </p:tgtEl>
+                                      </p:cBhvr>
+                                    </p:animEffect>
+                                  </p:childTnLst>
+                                </p:cTn>
+                              </p:par>
+                            </p:childTnLst>
+                          </p:cTn>
+                        </p:par>
+                      </p:childTnLst>
+                    </p:cTn>
+                  </p:par>
+                </p:childTnLst>
+              </p:cTn>
+              <p:prevCondLst>
+                <p:cond evt="onPrev" delay="0">
+                  <p:tgtEl>
+                    <p:sldTgt/>
+                  </p:tgtEl>
+                </p:cond>
+              </p:prevCondLst>
+              <p:nextCondLst>
+                <p:cond evt="onNext" delay="0">
+                  <p:tgtEl>
+                    <p:sldTgt/>
+                  </p:tgtEl>
+                </p:cond>
+              </p:nextCondLst>
+            </p:seq>
+          </p:childTnLst>
+        </p:cTn>
+      </p:par>
+    </p:tnLst>
+    <p:bldLst>
+      <p:bldP spid="7" grpId="0" uiExpand="1" build="p"/>
+    </p:bldLst>
+  </p:timing>
+</p:sld>
+</file>
+
+<file path=ppt/slides/slide4.xml><?xml version="1.0" encoding="utf-8"?>
+<p:sld xmlns:a="http://schemas.openxmlformats.org/drawingml/2006/main" xmlns:r="http://schemas.openxmlformats.org/officeDocument/2006/relationships" xmlns:p="http://schemas.openxmlformats.org/presentationml/2006/main">
+  <p:cSld>
+    <p:bg>
+      <p:bgPr>
+        <a:solidFill>
+          <a:srgbClr val="4A206A"/>
+        </a:solidFill>
+        <a:effectLst/>
+      </p:bgPr>
+    </p:bg>
+    <p:spTree>
+      <p:nvGrpSpPr>
+        <p:cNvPr id="1" name=""/>
+        <p:cNvGrpSpPr/>
+        <p:nvPr/>
+      </p:nvGrpSpPr>
+      <p:grpSpPr>
+        <a:xfrm>
+          <a:off x="0" y="0"/>
+          <a:ext cx="0" cy="0"/>
+          <a:chOff x="0" y="0"/>
+          <a:chExt cx="0" cy="0"/>
+        </a:xfrm>
+      </p:grpSpPr>
+      <p:sp>
+        <p:nvSpPr>
+          <p:cNvPr id="3" name="TextBox 2">
+            <a:extLst>
+              <a:ext uri="{FF2B5EF4-FFF2-40B4-BE49-F238E27FC236}">
+                <a16:creationId xmlns:a16="http://schemas.microsoft.com/office/drawing/2014/main" id="{3FCF3979-E4B3-0634-4C0B-AB862892E9BF}"/>
               </a:ext>
             </a:extLst>
           </p:cNvPr>
@@ -4643,7 +5190,7 @@
           <a:lstStyle/>
           <a:p>
             <a:r>
-              <a:rPr lang="en-IN" sz="4000" dirty="0" smtClean="0">
+              <a:rPr lang="en-IN" sz="4000" dirty="0">
                 <a:solidFill>
                   <a:srgbClr val="F4F4F2"/>
                 </a:solidFill>
@@ -4651,19 +5198,233 @@
               </a:rPr>
               <a:t>Risk-Reward Ratio:</a:t>
             </a:r>
-            <a:endParaRPr lang="en-IN" sz="4000" dirty="0" smtClean="0">
+          </a:p>
+        </p:txBody>
+      </p:sp>
+    </p:spTree>
+    <p:extLst>
+      <p:ext uri="{BB962C8B-B14F-4D97-AF65-F5344CB8AC3E}">
+        <p14:creationId xmlns:p14="http://schemas.microsoft.com/office/powerpoint/2010/main" val="2656182769"/>
+      </p:ext>
+    </p:extLst>
+  </p:cSld>
+  <p:clrMapOvr>
+    <a:masterClrMapping/>
+  </p:clrMapOvr>
+  <p:transition/>
+</p:sld>
+</file>
+
+<file path=ppt/slides/slide5.xml><?xml version="1.0" encoding="utf-8"?>
+<p:sld xmlns:a="http://schemas.openxmlformats.org/drawingml/2006/main" xmlns:r="http://schemas.openxmlformats.org/officeDocument/2006/relationships" xmlns:p="http://schemas.openxmlformats.org/presentationml/2006/main">
+  <p:cSld>
+    <p:bg>
+      <p:bgPr>
+        <a:solidFill>
+          <a:srgbClr val="4A206A"/>
+        </a:solidFill>
+        <a:effectLst/>
+      </p:bgPr>
+    </p:bg>
+    <p:spTree>
+      <p:nvGrpSpPr>
+        <p:cNvPr id="1" name=""/>
+        <p:cNvGrpSpPr/>
+        <p:nvPr/>
+      </p:nvGrpSpPr>
+      <p:grpSpPr>
+        <a:xfrm>
+          <a:off x="0" y="0"/>
+          <a:ext cx="0" cy="0"/>
+          <a:chOff x="0" y="0"/>
+          <a:chExt cx="0" cy="0"/>
+        </a:xfrm>
+      </p:grpSpPr>
+      <p:sp>
+        <p:nvSpPr>
+          <p:cNvPr id="3" name="TextBox 2">
+            <a:extLst>
+              <a:ext uri="{FF2B5EF4-FFF2-40B4-BE49-F238E27FC236}">
+                <a16:creationId xmlns:a16="http://schemas.microsoft.com/office/drawing/2014/main" id="{3FCF3979-E4B3-0634-4C0B-AB862892E9BF}"/>
+              </a:ext>
+            </a:extLst>
+          </p:cNvPr>
+          <p:cNvSpPr txBox="1"/>
+          <p:nvPr/>
+        </p:nvSpPr>
+        <p:spPr>
+          <a:xfrm>
+            <a:off x="610221" y="947121"/>
+            <a:ext cx="5272083" cy="1323439"/>
+          </a:xfrm>
+          <a:prstGeom prst="rect">
+            <a:avLst/>
+          </a:prstGeom>
+          <a:noFill/>
+        </p:spPr>
+        <p:txBody>
+          <a:bodyPr wrap="square" rtlCol="0">
+            <a:spAutoFit/>
+          </a:bodyPr>
+          <a:lstStyle/>
+          <a:p>
+            <a:pPr marL="0" marR="0" lvl="0" indent="0" algn="l" defTabSz="914400" rtl="0" eaLnBrk="1" fontAlgn="auto" latinLnBrk="0" hangingPunct="1">
+              <a:lnSpc>
+                <a:spcPct val="100000"/>
+              </a:lnSpc>
+              <a:spcBef>
+                <a:spcPts val="0"/>
+              </a:spcBef>
+              <a:spcAft>
+                <a:spcPts val="0"/>
+              </a:spcAft>
+              <a:buClrTx/>
+              <a:buSzTx/>
+              <a:buFontTx/>
+              <a:buNone/>
+              <a:tabLst/>
+              <a:defRPr/>
+            </a:pPr>
+            <a:r>
+              <a:rPr lang="en-IN" sz="4000" dirty="0">
+                <a:solidFill>
+                  <a:srgbClr val="F4F4F2"/>
+                </a:solidFill>
+                <a:latin typeface="Amasis MT Pro Black" panose="02040A04050005020304" pitchFamily="18" charset="0"/>
+              </a:rPr>
+              <a:t>Thank you</a:t>
+            </a:r>
+          </a:p>
+          <a:p>
+            <a:pPr marL="0" marR="0" lvl="0" indent="0" algn="l" defTabSz="914400" rtl="0" eaLnBrk="1" fontAlgn="auto" latinLnBrk="0" hangingPunct="1">
+              <a:lnSpc>
+                <a:spcPct val="100000"/>
+              </a:lnSpc>
+              <a:spcBef>
+                <a:spcPts val="0"/>
+              </a:spcBef>
+              <a:spcAft>
+                <a:spcPts val="0"/>
+              </a:spcAft>
+              <a:buClrTx/>
+              <a:buSzTx/>
+              <a:buFontTx/>
+              <a:buNone/>
+              <a:tabLst/>
+              <a:defRPr/>
+            </a:pPr>
+            <a:r>
+              <a:rPr kumimoji="0" lang="en-IN" sz="4000" b="0" i="0" u="none" strike="noStrike" kern="1200" cap="none" spc="0" normalizeH="0" baseline="0" noProof="0" dirty="0">
+                <a:ln>
+                  <a:noFill/>
+                </a:ln>
+                <a:solidFill>
+                  <a:srgbClr val="F4F4F2"/>
+                </a:solidFill>
+                <a:effectLst/>
+                <a:uLnTx/>
+                <a:uFillTx/>
+                <a:latin typeface="Amasis MT Pro Black" panose="02040A04050005020304" pitchFamily="18" charset="0"/>
+                <a:ea typeface="+mn-ea"/>
+                <a:cs typeface="+mn-cs"/>
+              </a:rPr>
+              <a:t>Any Quest</a:t>
+            </a:r>
+            <a:r>
+              <a:rPr lang="en-IN" sz="4000" dirty="0">
+                <a:solidFill>
+                  <a:srgbClr val="F4F4F2"/>
+                </a:solidFill>
+                <a:latin typeface="Amasis MT Pro Black" panose="02040A04050005020304" pitchFamily="18" charset="0"/>
+              </a:rPr>
+              <a:t>ions?</a:t>
+            </a:r>
+            <a:endParaRPr kumimoji="0" lang="en-IN" sz="4000" b="0" i="0" u="none" strike="noStrike" kern="1200" cap="none" spc="0" normalizeH="0" baseline="0" noProof="0" dirty="0">
+              <a:ln>
+                <a:noFill/>
+              </a:ln>
               <a:solidFill>
                 <a:srgbClr val="F4F4F2"/>
               </a:solidFill>
+              <a:effectLst/>
+              <a:uLnTx/>
+              <a:uFillTx/>
               <a:latin typeface="Amasis MT Pro Black" panose="02040A04050005020304" pitchFamily="18" charset="0"/>
+              <a:ea typeface="+mn-ea"/>
+              <a:cs typeface="+mn-cs"/>
             </a:endParaRPr>
+          </a:p>
+        </p:txBody>
+      </p:sp>
+      <p:sp>
+        <p:nvSpPr>
+          <p:cNvPr id="2" name="TextBox 1">
+            <a:extLst>
+              <a:ext uri="{FF2B5EF4-FFF2-40B4-BE49-F238E27FC236}">
+                <a16:creationId xmlns:a16="http://schemas.microsoft.com/office/drawing/2014/main" id="{2E730B7F-B6AD-1E68-B803-A57CAA4E2AE2}"/>
+              </a:ext>
+            </a:extLst>
+          </p:cNvPr>
+          <p:cNvSpPr txBox="1"/>
+          <p:nvPr/>
+        </p:nvSpPr>
+        <p:spPr>
+          <a:xfrm>
+            <a:off x="610222" y="239235"/>
+            <a:ext cx="5272083" cy="707886"/>
+          </a:xfrm>
+          <a:prstGeom prst="rect">
+            <a:avLst/>
+          </a:prstGeom>
+          <a:noFill/>
+        </p:spPr>
+        <p:txBody>
+          <a:bodyPr wrap="square" rtlCol="0">
+            <a:spAutoFit/>
+          </a:bodyPr>
+          <a:lstStyle/>
+          <a:p>
+            <a:pPr marL="0" marR="0" lvl="0" indent="0" algn="l" defTabSz="914400" rtl="0" eaLnBrk="1" fontAlgn="auto" latinLnBrk="0" hangingPunct="1">
+              <a:lnSpc>
+                <a:spcPct val="100000"/>
+              </a:lnSpc>
+              <a:spcBef>
+                <a:spcPts val="0"/>
+              </a:spcBef>
+              <a:spcAft>
+                <a:spcPts val="0"/>
+              </a:spcAft>
+              <a:buClrTx/>
+              <a:buSzTx/>
+              <a:buFontTx/>
+              <a:buNone/>
+              <a:tabLst/>
+              <a:defRPr/>
+            </a:pPr>
+            <a:r>
+              <a:rPr kumimoji="0" lang="en-IN" sz="4000" b="0" i="0" u="none" strike="noStrike" kern="1200" cap="none" spc="0" normalizeH="0" baseline="0" noProof="0" dirty="0">
+                <a:ln>
+                  <a:noFill/>
+                </a:ln>
+                <a:solidFill>
+                  <a:srgbClr val="F4F4F2"/>
+                </a:solidFill>
+                <a:effectLst/>
+                <a:uLnTx/>
+                <a:uFillTx/>
+                <a:latin typeface="Amasis MT Pro Black" panose="02040A04050005020304" pitchFamily="18" charset="0"/>
+                <a:ea typeface="+mn-ea"/>
+                <a:cs typeface="+mn-cs"/>
+              </a:rPr>
+              <a:t>The End</a:t>
+            </a:r>
           </a:p>
         </p:txBody>
       </p:sp>
     </p:spTree>
     <p:extLst>
       <p:ext uri="{BB962C8B-B14F-4D97-AF65-F5344CB8AC3E}">
-        <p14:creationId xmlns:p14="http://schemas.microsoft.com/office/powerpoint/2010/main" xmlns="" val="2656182769"/>
+        <p14:creationId xmlns:p14="http://schemas.microsoft.com/office/powerpoint/2010/main" val="1408111688"/>
       </p:ext>
     </p:extLst>
   </p:cSld>
@@ -4674,14 +5435,162 @@
   <p:timing>
     <p:tnLst>
       <p:par>
-        <p:cTn id="1" dur="indefinite" restart="never" nodeType="tmRoot"/>
+        <p:cTn id="1" dur="indefinite" restart="never" nodeType="tmRoot">
+          <p:childTnLst>
+            <p:seq concurrent="1" nextAc="seek">
+              <p:cTn id="2" dur="indefinite" nodeType="mainSeq">
+                <p:childTnLst>
+                  <p:par>
+                    <p:cTn id="3" fill="hold">
+                      <p:stCondLst>
+                        <p:cond delay="indefinite"/>
+                      </p:stCondLst>
+                      <p:childTnLst>
+                        <p:par>
+                          <p:cTn id="4" fill="hold">
+                            <p:stCondLst>
+                              <p:cond delay="0"/>
+                            </p:stCondLst>
+                            <p:childTnLst>
+                              <p:par>
+                                <p:cTn id="5" presetID="10" presetClass="entr" presetSubtype="0" fill="hold" grpId="0" nodeType="clickEffect">
+                                  <p:stCondLst>
+                                    <p:cond delay="0"/>
+                                  </p:stCondLst>
+                                  <p:childTnLst>
+                                    <p:set>
+                                      <p:cBhvr>
+                                        <p:cTn id="6" dur="1" fill="hold">
+                                          <p:stCondLst>
+                                            <p:cond delay="0"/>
+                                          </p:stCondLst>
+                                        </p:cTn>
+                                        <p:tgtEl>
+                                          <p:spTgt spid="3">
+                                            <p:txEl>
+                                              <p:pRg st="0" end="0"/>
+                                            </p:txEl>
+                                          </p:spTgt>
+                                        </p:tgtEl>
+                                        <p:attrNameLst>
+                                          <p:attrName>style.visibility</p:attrName>
+                                        </p:attrNameLst>
+                                      </p:cBhvr>
+                                      <p:to>
+                                        <p:strVal val="visible"/>
+                                      </p:to>
+                                    </p:set>
+                                    <p:animEffect transition="in" filter="fade">
+                                      <p:cBhvr>
+                                        <p:cTn id="7" dur="500"/>
+                                        <p:tgtEl>
+                                          <p:spTgt spid="3">
+                                            <p:txEl>
+                                              <p:pRg st="0" end="0"/>
+                                            </p:txEl>
+                                          </p:spTgt>
+                                        </p:tgtEl>
+                                      </p:cBhvr>
+                                    </p:animEffect>
+                                  </p:childTnLst>
+                                </p:cTn>
+                              </p:par>
+                            </p:childTnLst>
+                          </p:cTn>
+                        </p:par>
+                      </p:childTnLst>
+                    </p:cTn>
+                  </p:par>
+                  <p:par>
+                    <p:cTn id="8" fill="hold">
+                      <p:stCondLst>
+                        <p:cond delay="indefinite"/>
+                      </p:stCondLst>
+                      <p:childTnLst>
+                        <p:par>
+                          <p:cTn id="9" fill="hold">
+                            <p:stCondLst>
+                              <p:cond delay="0"/>
+                            </p:stCondLst>
+                            <p:childTnLst>
+                              <p:par>
+                                <p:cTn id="10" presetID="10" presetClass="entr" presetSubtype="0" fill="hold" grpId="0" nodeType="clickEffect">
+                                  <p:stCondLst>
+                                    <p:cond delay="0"/>
+                                  </p:stCondLst>
+                                  <p:childTnLst>
+                                    <p:set>
+                                      <p:cBhvr>
+                                        <p:cTn id="11" dur="1" fill="hold">
+                                          <p:stCondLst>
+                                            <p:cond delay="0"/>
+                                          </p:stCondLst>
+                                        </p:cTn>
+                                        <p:tgtEl>
+                                          <p:spTgt spid="3">
+                                            <p:txEl>
+                                              <p:pRg st="1" end="1"/>
+                                            </p:txEl>
+                                          </p:spTgt>
+                                        </p:tgtEl>
+                                        <p:attrNameLst>
+                                          <p:attrName>style.visibility</p:attrName>
+                                        </p:attrNameLst>
+                                      </p:cBhvr>
+                                      <p:to>
+                                        <p:strVal val="visible"/>
+                                      </p:to>
+                                    </p:set>
+                                    <p:animEffect transition="in" filter="fade">
+                                      <p:cBhvr>
+                                        <p:cTn id="12" dur="500"/>
+                                        <p:tgtEl>
+                                          <p:spTgt spid="3">
+                                            <p:txEl>
+                                              <p:pRg st="1" end="1"/>
+                                            </p:txEl>
+                                          </p:spTgt>
+                                        </p:tgtEl>
+                                      </p:cBhvr>
+                                    </p:animEffect>
+                                  </p:childTnLst>
+                                </p:cTn>
+                              </p:par>
+                            </p:childTnLst>
+                          </p:cTn>
+                        </p:par>
+                      </p:childTnLst>
+                    </p:cTn>
+                  </p:par>
+                </p:childTnLst>
+              </p:cTn>
+              <p:prevCondLst>
+                <p:cond evt="onPrev" delay="0">
+                  <p:tgtEl>
+                    <p:sldTgt/>
+                  </p:tgtEl>
+                </p:cond>
+              </p:prevCondLst>
+              <p:nextCondLst>
+                <p:cond evt="onNext" delay="0">
+                  <p:tgtEl>
+                    <p:sldTgt/>
+                  </p:tgtEl>
+                </p:cond>
+              </p:nextCondLst>
+            </p:seq>
+          </p:childTnLst>
+        </p:cTn>
       </p:par>
     </p:tnLst>
+    <p:bldLst>
+      <p:bldP spid="3" grpId="0" build="p"/>
+    </p:bldLst>
   </p:timing>
 </p:sld>
 </file>
 
-<file path=ppt/slides/slide4.xml><?xml version="1.0" encoding="utf-8"?>
+<file path=ppt/slides/slide6.xml><?xml version="1.0" encoding="utf-8"?>
 <p:sld xmlns:a="http://schemas.openxmlformats.org/drawingml/2006/main" xmlns:r="http://schemas.openxmlformats.org/officeDocument/2006/relationships" xmlns:p="http://schemas.openxmlformats.org/presentationml/2006/main">
   <p:cSld>
     <p:bg>
@@ -4711,7 +5620,7 @@
           <p:cNvPr id="3" name="TextBox 2">
             <a:extLst>
               <a:ext uri="{FF2B5EF4-FFF2-40B4-BE49-F238E27FC236}">
-                <a16:creationId xmlns:a16="http://schemas.microsoft.com/office/drawing/2014/main" xmlns="" id="{3FCF3979-E4B3-0634-4C0B-AB862892E9BF}"/>
+                <a16:creationId xmlns:a16="http://schemas.microsoft.com/office/drawing/2014/main" id="{3FCF3979-E4B3-0634-4C0B-AB862892E9BF}"/>
               </a:ext>
             </a:extLst>
           </p:cNvPr>
@@ -4776,7 +5685,7 @@
           <p:cNvPr id="2" name="Rectangle 1">
             <a:extLst>
               <a:ext uri="{FF2B5EF4-FFF2-40B4-BE49-F238E27FC236}">
-                <a16:creationId xmlns:a16="http://schemas.microsoft.com/office/drawing/2014/main" xmlns="" id="{896F725C-4CFE-FF8F-2A15-4F7F9AE3225E}"/>
+                <a16:creationId xmlns:a16="http://schemas.microsoft.com/office/drawing/2014/main" id="{896F725C-4CFE-FF8F-2A15-4F7F9AE3225E}"/>
               </a:ext>
             </a:extLst>
           </p:cNvPr>
@@ -4830,7 +5739,7 @@
           <p:cNvPr id="4" name="TextBox 3">
             <a:extLst>
               <a:ext uri="{FF2B5EF4-FFF2-40B4-BE49-F238E27FC236}">
-                <a16:creationId xmlns:a16="http://schemas.microsoft.com/office/drawing/2014/main" xmlns="" id="{D5C1F7EF-58E9-E9F1-EBA7-5DFF2EBC19AD}"/>
+                <a16:creationId xmlns:a16="http://schemas.microsoft.com/office/drawing/2014/main" id="{D5C1F7EF-58E9-E9F1-EBA7-5DFF2EBC19AD}"/>
               </a:ext>
             </a:extLst>
           </p:cNvPr>
@@ -4895,7 +5804,7 @@
           <p:cNvPr id="9" name="Rectangle 8">
             <a:extLst>
               <a:ext uri="{FF2B5EF4-FFF2-40B4-BE49-F238E27FC236}">
-                <a16:creationId xmlns:a16="http://schemas.microsoft.com/office/drawing/2014/main" xmlns="" id="{98B1ABDA-BAC5-141C-5958-60F064BE1B5F}"/>
+                <a16:creationId xmlns:a16="http://schemas.microsoft.com/office/drawing/2014/main" id="{98B1ABDA-BAC5-141C-5958-60F064BE1B5F}"/>
               </a:ext>
             </a:extLst>
           </p:cNvPr>
@@ -4949,7 +5858,7 @@
           <p:cNvPr id="10" name="TextBox 9">
             <a:extLst>
               <a:ext uri="{FF2B5EF4-FFF2-40B4-BE49-F238E27FC236}">
-                <a16:creationId xmlns:a16="http://schemas.microsoft.com/office/drawing/2014/main" xmlns="" id="{0BB6C4CE-5B83-9958-BF36-9C92A04CFE6E}"/>
+                <a16:creationId xmlns:a16="http://schemas.microsoft.com/office/drawing/2014/main" id="{0BB6C4CE-5B83-9958-BF36-9C92A04CFE6E}"/>
               </a:ext>
             </a:extLst>
           </p:cNvPr>
@@ -4989,7 +5898,7 @@
           <p:cNvPr id="11" name="Rectangle 10">
             <a:extLst>
               <a:ext uri="{FF2B5EF4-FFF2-40B4-BE49-F238E27FC236}">
-                <a16:creationId xmlns:a16="http://schemas.microsoft.com/office/drawing/2014/main" xmlns="" id="{38BA3D8C-1C99-47AE-668E-0376D060CA8F}"/>
+                <a16:creationId xmlns:a16="http://schemas.microsoft.com/office/drawing/2014/main" id="{38BA3D8C-1C99-47AE-668E-0376D060CA8F}"/>
               </a:ext>
             </a:extLst>
           </p:cNvPr>
@@ -5047,7 +5956,7 @@
           <p:cNvPr id="12" name="TextBox 11">
             <a:extLst>
               <a:ext uri="{FF2B5EF4-FFF2-40B4-BE49-F238E27FC236}">
-                <a16:creationId xmlns:a16="http://schemas.microsoft.com/office/drawing/2014/main" xmlns="" id="{4BA0361D-6F86-2D83-7555-CDC0E026D4F7}"/>
+                <a16:creationId xmlns:a16="http://schemas.microsoft.com/office/drawing/2014/main" id="{4BA0361D-6F86-2D83-7555-CDC0E026D4F7}"/>
               </a:ext>
             </a:extLst>
           </p:cNvPr>
@@ -5087,7 +5996,7 @@
           <p:cNvPr id="13" name="Rectangle 12">
             <a:extLst>
               <a:ext uri="{FF2B5EF4-FFF2-40B4-BE49-F238E27FC236}">
-                <a16:creationId xmlns:a16="http://schemas.microsoft.com/office/drawing/2014/main" xmlns="" id="{5E70ADB7-CBFB-0C70-C052-0898B0B598D4}"/>
+                <a16:creationId xmlns:a16="http://schemas.microsoft.com/office/drawing/2014/main" id="{5E70ADB7-CBFB-0C70-C052-0898B0B598D4}"/>
               </a:ext>
             </a:extLst>
           </p:cNvPr>
@@ -5143,7 +6052,7 @@
     </p:spTree>
     <p:extLst>
       <p:ext uri="{BB962C8B-B14F-4D97-AF65-F5344CB8AC3E}">
-        <p14:creationId xmlns:p14="http://schemas.microsoft.com/office/powerpoint/2010/main" xmlns="" val="3489613101"/>
+        <p14:creationId xmlns:p14="http://schemas.microsoft.com/office/powerpoint/2010/main" val="3489613101"/>
       </p:ext>
     </p:extLst>
   </p:cSld>
@@ -5442,7 +6351,7 @@
   <a:extraClrSchemeLst/>
   <a:extLst>
     <a:ext uri="{05A4C25C-085E-4340-85A3-A5531E510DB2}">
-      <thm15:themeFamily xmlns:thm15="http://schemas.microsoft.com/office/thememl/2012/main" xmlns="" name="Office Theme" id="{62F939B6-93AF-4DB8-9C6B-D6C7DFDC589F}" vid="{4A3C46E8-61CC-4603-A589-7422A47A8E4A}"/>
+      <thm15:themeFamily xmlns:thm15="http://schemas.microsoft.com/office/thememl/2012/main" name="Office Theme" id="{62F939B6-93AF-4DB8-9C6B-D6C7DFDC589F}" vid="{4A3C46E8-61CC-4603-A589-7422A47A8E4A}"/>
     </a:ext>
   </a:extLst>
 </a:theme>
@@ -5737,7 +6646,7 @@
   <a:extraClrSchemeLst/>
   <a:extLst>
     <a:ext uri="{05A4C25C-085E-4340-85A3-A5531E510DB2}">
-      <thm15:themeFamily xmlns:thm15="http://schemas.microsoft.com/office/thememl/2012/main" xmlns="" name="Office Theme" id="{62F939B6-93AF-4DB8-9C6B-D6C7DFDC589F}" vid="{4A3C46E8-61CC-4603-A589-7422A47A8E4A}"/>
+      <thm15:themeFamily xmlns:thm15="http://schemas.microsoft.com/office/thememl/2012/main" name="Office Theme" id="{62F939B6-93AF-4DB8-9C6B-D6C7DFDC589F}" vid="{4A3C46E8-61CC-4603-A589-7422A47A8E4A}"/>
     </a:ext>
   </a:extLst>
 </a:theme>
